--- a/titanic/Portfolio.pptx
+++ b/titanic/Portfolio.pptx
@@ -4770,8 +4770,8 @@
   </dgm:ptLst>
   <dgm:cxnLst>
     <dgm:cxn modelId="{DC9A0C36-ACE5-4170-AC23-651823DB6EFA}" srcId="{6EFC89FE-FF8A-4E7F-8AAE-ED230A623FB6}" destId="{7D2A3711-30AD-462D-AAA3-751EFE651616}" srcOrd="0" destOrd="0" parTransId="{76C27A1A-6717-4AD1-9DEC-05D3D9028FDD}" sibTransId="{D7FE2FEE-AA5B-4347-AAD5-BC3FA330F8F0}"/>
+    <dgm:cxn modelId="{746EBDFC-16F9-4B51-9F13-6A9A37D5FCF0}" srcId="{7D2A3711-30AD-462D-AAA3-751EFE651616}" destId="{30BF53A6-FA28-467A-8DA4-4CC39B9FFE13}" srcOrd="2" destOrd="0" parTransId="{1B4EB120-1437-4B1B-B490-89EAF48C32C7}" sibTransId="{23285FE0-6160-49F7-BBFF-BCF3E6EC34E1}"/>
     <dgm:cxn modelId="{6F699B43-48B7-4469-BEFC-0DA4E4A87706}" type="presOf" srcId="{3488BB1E-2AD0-410D-8484-AED0FD4F53C5}" destId="{15E8AA84-AC57-40CA-AE62-16742C61020F}" srcOrd="0" destOrd="1" presId="urn:microsoft.com/office/officeart/2005/8/layout/vList2"/>
-    <dgm:cxn modelId="{746EBDFC-16F9-4B51-9F13-6A9A37D5FCF0}" srcId="{7D2A3711-30AD-462D-AAA3-751EFE651616}" destId="{30BF53A6-FA28-467A-8DA4-4CC39B9FFE13}" srcOrd="2" destOrd="0" parTransId="{1B4EB120-1437-4B1B-B490-89EAF48C32C7}" sibTransId="{23285FE0-6160-49F7-BBFF-BCF3E6EC34E1}"/>
     <dgm:cxn modelId="{C5AB4C4D-E66D-4C35-8CFD-E37C96BD8525}" type="presOf" srcId="{6EFC89FE-FF8A-4E7F-8AAE-ED230A623FB6}" destId="{2A55BBF3-538E-459E-B505-578EB8499F53}" srcOrd="0" destOrd="0" presId="urn:microsoft.com/office/officeart/2005/8/layout/vList2"/>
     <dgm:cxn modelId="{B9F0EB48-ED65-4F07-8F9E-1E639CB8800A}" srcId="{7D2A3711-30AD-462D-AAA3-751EFE651616}" destId="{3488BB1E-2AD0-410D-8484-AED0FD4F53C5}" srcOrd="1" destOrd="0" parTransId="{8183B815-A741-4F5F-850D-9AAD2FDB5A16}" sibTransId="{1CED30C1-58ED-48C7-8196-DB3AE58D1ACC}"/>
     <dgm:cxn modelId="{D7F3DE89-22E3-47BF-A4EB-256757B45530}" type="presOf" srcId="{30BF53A6-FA28-467A-8DA4-4CC39B9FFE13}" destId="{15E8AA84-AC57-40CA-AE62-16742C61020F}" srcOrd="0" destOrd="2" presId="urn:microsoft.com/office/officeart/2005/8/layout/vList2"/>
@@ -5019,14 +5019,14 @@
   </dgm:ptLst>
   <dgm:cxnLst>
     <dgm:cxn modelId="{DC9A0C36-ACE5-4170-AC23-651823DB6EFA}" srcId="{6EFC89FE-FF8A-4E7F-8AAE-ED230A623FB6}" destId="{7D2A3711-30AD-462D-AAA3-751EFE651616}" srcOrd="0" destOrd="0" parTransId="{76C27A1A-6717-4AD1-9DEC-05D3D9028FDD}" sibTransId="{D7FE2FEE-AA5B-4347-AAD5-BC3FA330F8F0}"/>
+    <dgm:cxn modelId="{C5AB4C4D-E66D-4C35-8CFD-E37C96BD8525}" type="presOf" srcId="{6EFC89FE-FF8A-4E7F-8AAE-ED230A623FB6}" destId="{2A55BBF3-538E-459E-B505-578EB8499F53}" srcOrd="0" destOrd="0" presId="urn:microsoft.com/office/officeart/2005/8/layout/vList2"/>
     <dgm:cxn modelId="{AEBAA907-B38B-4F7B-96C6-CAFF679ECAD4}" srcId="{7D2A3711-30AD-462D-AAA3-751EFE651616}" destId="{B15F46D4-DAD4-4B4B-82AA-7B3BC639A149}" srcOrd="2" destOrd="0" parTransId="{4B31ED66-A4C8-4976-8A02-46CB9EA85990}" sibTransId="{473CC652-B86B-49B7-A149-2D0A11AD370F}"/>
+    <dgm:cxn modelId="{BE914E04-0BFE-4EA8-94B9-009620EEF2F6}" type="presOf" srcId="{8DE28805-C3C2-4966-A019-B9FF979A9B88}" destId="{15E8AA84-AC57-40CA-AE62-16742C61020F}" srcOrd="0" destOrd="0" presId="urn:microsoft.com/office/officeart/2005/8/layout/vList2"/>
+    <dgm:cxn modelId="{860052FA-B24B-43FB-8BD8-1C6F575A2982}" srcId="{7D2A3711-30AD-462D-AAA3-751EFE651616}" destId="{8DE28805-C3C2-4966-A019-B9FF979A9B88}" srcOrd="0" destOrd="0" parTransId="{7AB3D7EF-EE3A-488F-8A1D-F60A47C5B517}" sibTransId="{AFA6E202-2296-4A09-91EB-A4537A20CCB7}"/>
     <dgm:cxn modelId="{E88BA934-2DFA-4BFE-9C17-F244A084F199}" type="presOf" srcId="{B15F46D4-DAD4-4B4B-82AA-7B3BC639A149}" destId="{15E8AA84-AC57-40CA-AE62-16742C61020F}" srcOrd="0" destOrd="2" presId="urn:microsoft.com/office/officeart/2005/8/layout/vList2"/>
+    <dgm:cxn modelId="{8150A350-86C4-45E7-B1F4-6FAA109E8F90}" type="presOf" srcId="{7D2A3711-30AD-462D-AAA3-751EFE651616}" destId="{82D0A0E6-3711-436D-B580-07622653EB3C}" srcOrd="0" destOrd="0" presId="urn:microsoft.com/office/officeart/2005/8/layout/vList2"/>
+    <dgm:cxn modelId="{5522BEB9-3695-42B3-BDA3-456A1E85B352}" srcId="{7D2A3711-30AD-462D-AAA3-751EFE651616}" destId="{8BE79018-2E48-48B2-A90F-6E17103827F5}" srcOrd="1" destOrd="0" parTransId="{78DF3913-A559-4EC5-A41E-EF8B415A7B67}" sibTransId="{576B4564-B648-4563-9B74-1C5C80BB4639}"/>
     <dgm:cxn modelId="{F05F6A61-2B4A-439E-AC37-72339C062BEB}" type="presOf" srcId="{8BE79018-2E48-48B2-A90F-6E17103827F5}" destId="{15E8AA84-AC57-40CA-AE62-16742C61020F}" srcOrd="0" destOrd="1" presId="urn:microsoft.com/office/officeart/2005/8/layout/vList2"/>
-    <dgm:cxn modelId="{5522BEB9-3695-42B3-BDA3-456A1E85B352}" srcId="{7D2A3711-30AD-462D-AAA3-751EFE651616}" destId="{8BE79018-2E48-48B2-A90F-6E17103827F5}" srcOrd="1" destOrd="0" parTransId="{78DF3913-A559-4EC5-A41E-EF8B415A7B67}" sibTransId="{576B4564-B648-4563-9B74-1C5C80BB4639}"/>
-    <dgm:cxn modelId="{8150A350-86C4-45E7-B1F4-6FAA109E8F90}" type="presOf" srcId="{7D2A3711-30AD-462D-AAA3-751EFE651616}" destId="{82D0A0E6-3711-436D-B580-07622653EB3C}" srcOrd="0" destOrd="0" presId="urn:microsoft.com/office/officeart/2005/8/layout/vList2"/>
-    <dgm:cxn modelId="{BE914E04-0BFE-4EA8-94B9-009620EEF2F6}" type="presOf" srcId="{8DE28805-C3C2-4966-A019-B9FF979A9B88}" destId="{15E8AA84-AC57-40CA-AE62-16742C61020F}" srcOrd="0" destOrd="0" presId="urn:microsoft.com/office/officeart/2005/8/layout/vList2"/>
-    <dgm:cxn modelId="{C5AB4C4D-E66D-4C35-8CFD-E37C96BD8525}" type="presOf" srcId="{6EFC89FE-FF8A-4E7F-8AAE-ED230A623FB6}" destId="{2A55BBF3-538E-459E-B505-578EB8499F53}" srcOrd="0" destOrd="0" presId="urn:microsoft.com/office/officeart/2005/8/layout/vList2"/>
-    <dgm:cxn modelId="{860052FA-B24B-43FB-8BD8-1C6F575A2982}" srcId="{7D2A3711-30AD-462D-AAA3-751EFE651616}" destId="{8DE28805-C3C2-4966-A019-B9FF979A9B88}" srcOrd="0" destOrd="0" parTransId="{7AB3D7EF-EE3A-488F-8A1D-F60A47C5B517}" sibTransId="{AFA6E202-2296-4A09-91EB-A4537A20CCB7}"/>
     <dgm:cxn modelId="{BF2BCC93-BC38-4190-BE2F-61BF69468C12}" type="presParOf" srcId="{2A55BBF3-538E-459E-B505-578EB8499F53}" destId="{82D0A0E6-3711-436D-B580-07622653EB3C}" srcOrd="0" destOrd="0" presId="urn:microsoft.com/office/officeart/2005/8/layout/vList2"/>
     <dgm:cxn modelId="{D2D5CA98-9338-4CCB-8267-8B73414221CF}" type="presParOf" srcId="{2A55BBF3-538E-459E-B505-578EB8499F53}" destId="{15E8AA84-AC57-40CA-AE62-16742C61020F}" srcOrd="1" destOrd="0" presId="urn:microsoft.com/office/officeart/2005/8/layout/vList2"/>
   </dgm:cxnLst>
@@ -17740,15 +17740,7 @@
             </a:r>
             <a:r>
               <a:rPr lang="ko-KR" altLang="en-US" sz="2000" dirty="0" smtClean="0"/>
-              <a:t> 생존여부와 </a:t>
-            </a:r>
-            <a:r>
-              <a:rPr lang="ko-KR" altLang="en-US" sz="2000" dirty="0" smtClean="0"/>
-              <a:t>관련 있어 </a:t>
-            </a:r>
-            <a:r>
-              <a:rPr lang="ko-KR" altLang="en-US" sz="2000" dirty="0" smtClean="0"/>
-              <a:t>보임</a:t>
+              <a:t> 생존여부와 관련 있어 보임</a:t>
             </a:r>
             <a:endParaRPr lang="en-US" altLang="ko-KR" sz="2000" dirty="0" smtClean="0"/>
           </a:p>
@@ -17849,11 +17841,7 @@
             <a:pPr rtl="0"/>
             <a:r>
               <a:rPr lang="ko-KR" altLang="en-US" dirty="0" smtClean="0"/>
-              <a:t>나이 성별 생존율 </a:t>
-            </a:r>
-            <a:r>
-              <a:rPr lang="ko-KR" altLang="en-US" dirty="0" smtClean="0"/>
-              <a:t>그래프</a:t>
+              <a:t>나이 성별 생존율 그래프</a:t>
             </a:r>
             <a:endParaRPr lang="ko-KR" altLang="en-US" dirty="0"/>
           </a:p>
@@ -20054,27 +20042,15 @@
             <a:pPr rtl="0"/>
             <a:r>
               <a:rPr lang="ko-KR" altLang="en-US" dirty="0" smtClean="0"/>
-              <a:t>생존 </a:t>
-            </a:r>
+              <a:t>생존 여부 예측 모델 생성</a:t>
+            </a:r>
+            <a:endParaRPr lang="en-US" altLang="ko-KR" dirty="0" smtClean="0"/>
+          </a:p>
+          <a:p>
+            <a:pPr rtl="0"/>
             <a:r>
               <a:rPr lang="ko-KR" altLang="en-US" dirty="0" smtClean="0"/>
-              <a:t>여부 예측 모델 생성</a:t>
-            </a:r>
-            <a:endParaRPr lang="en-US" altLang="ko-KR" dirty="0" smtClean="0"/>
-          </a:p>
-          <a:p>
-            <a:pPr rtl="0"/>
-            <a:r>
-              <a:rPr lang="ko-KR" altLang="en-US" dirty="0" smtClean="0"/>
-              <a:t>새로운 </a:t>
-            </a:r>
-            <a:r>
-              <a:rPr lang="ko-KR" altLang="en-US" dirty="0" smtClean="0"/>
-              <a:t>승객 정보로 생존율 </a:t>
-            </a:r>
-            <a:r>
-              <a:rPr lang="ko-KR" altLang="en-US" dirty="0" smtClean="0"/>
-              <a:t>예측 프로그램 생성</a:t>
+              <a:t>새로운 승객 정보로 생존율 예측 프로그램 생성</a:t>
             </a:r>
             <a:endParaRPr lang="en-US" altLang="ko-KR" dirty="0"/>
           </a:p>
@@ -20194,25 +20170,21 @@
             </a:r>
             <a:r>
               <a:rPr lang="en-US" altLang="ko-KR" dirty="0" smtClean="0"/>
-              <a:t>andas</a:t>
+              <a:t>andas, </a:t>
+            </a:r>
+            <a:r>
+              <a:rPr lang="en-US" altLang="ko-KR" dirty="0" err="1"/>
+              <a:t>s</a:t>
+            </a:r>
+            <a:r>
+              <a:rPr lang="en-US" altLang="ko-KR" dirty="0" err="1" smtClean="0"/>
+              <a:t>eaborn</a:t>
             </a:r>
             <a:r>
               <a:rPr lang="en-US" altLang="ko-KR" dirty="0" smtClean="0"/>
               <a:t>, </a:t>
             </a:r>
             <a:r>
-              <a:rPr lang="en-US" altLang="ko-KR" dirty="0" err="1"/>
-              <a:t>s</a:t>
-            </a:r>
-            <a:r>
-              <a:rPr lang="en-US" altLang="ko-KR" dirty="0" err="1" smtClean="0"/>
-              <a:t>eaborn</a:t>
-            </a:r>
-            <a:r>
-              <a:rPr lang="en-US" altLang="ko-KR" dirty="0" smtClean="0"/>
-              <a:t>, </a:t>
-            </a:r>
-            <a:r>
               <a:rPr lang="en-US" altLang="ko-KR" dirty="0" err="1" smtClean="0"/>
               <a:t>matplotlib</a:t>
             </a:r>
@@ -20256,7 +20228,15 @@
               <a:rPr lang="en-US" altLang="ko-KR" dirty="0" err="1" smtClean="0"/>
               <a:t>GradientBoosting</a:t>
             </a:r>
-            <a:endParaRPr lang="ko-KR" altLang="en-US" dirty="0"/>
+            <a:endParaRPr lang="en-US" altLang="ko-KR" dirty="0" smtClean="0"/>
+          </a:p>
+          <a:p>
+            <a:pPr lvl="1"/>
+            <a:r>
+              <a:rPr lang="en-US" altLang="ko-KR" dirty="0" err="1" smtClean="0"/>
+              <a:t>tkinter</a:t>
+            </a:r>
+            <a:endParaRPr lang="en-US" altLang="ko-KR" dirty="0" smtClean="0"/>
           </a:p>
         </p:txBody>
       </p:sp>
@@ -20360,8 +20340,12 @@
               <a:buNone/>
             </a:pPr>
             <a:r>
+              <a:rPr lang="en-US" altLang="ko-KR" dirty="0"/>
+              <a:t>p</a:t>
+            </a:r>
+            <a:r>
               <a:rPr lang="en-US" altLang="ko-KR" dirty="0" smtClean="0"/>
-              <a:t>Pandas</a:t>
+              <a:t>andas</a:t>
             </a:r>
             <a:r>
               <a:rPr lang="ko-KR" altLang="en-US" dirty="0" smtClean="0"/>
@@ -20374,8 +20358,12 @@
               <a:buNone/>
             </a:pPr>
             <a:r>
+              <a:rPr lang="en-US" altLang="ko-KR" dirty="0" err="1"/>
+              <a:t>s</a:t>
+            </a:r>
+            <a:r>
               <a:rPr lang="en-US" altLang="ko-KR" dirty="0" err="1" smtClean="0"/>
-              <a:t>Seaborn</a:t>
+              <a:t>eaborn</a:t>
             </a:r>
             <a:r>
               <a:rPr lang="en-US" altLang="ko-KR" dirty="0" smtClean="0"/>
@@ -20383,7 +20371,7 @@
             </a:r>
             <a:r>
               <a:rPr lang="en-US" altLang="ko-KR" dirty="0" err="1" smtClean="0"/>
-              <a:t>Matplotlib</a:t>
+              <a:t>matplotlib</a:t>
             </a:r>
             <a:r>
               <a:rPr lang="ko-KR" altLang="en-US" dirty="0" smtClean="0"/>
@@ -20396,8 +20384,12 @@
               <a:buNone/>
             </a:pPr>
             <a:r>
+              <a:rPr lang="en-US" altLang="ko-KR" dirty="0" err="1"/>
+              <a:t>s</a:t>
+            </a:r>
+            <a:r>
               <a:rPr lang="en-US" altLang="ko-KR" dirty="0" err="1" smtClean="0"/>
-              <a:t>Sklearn</a:t>
+              <a:t>klearn</a:t>
             </a:r>
             <a:r>
               <a:rPr lang="en-US" altLang="ko-KR" dirty="0" smtClean="0"/>
@@ -20405,7 +20397,41 @@
             </a:r>
             <a:r>
               <a:rPr lang="ko-KR" altLang="en-US" dirty="0" smtClean="0"/>
-              <a:t>내 다양한 모델을 활용해 학습 정확도 분석</a:t>
+              <a:t>내 다양한 모델을 활용해 학습 정확도 </a:t>
+            </a:r>
+            <a:r>
+              <a:rPr lang="ko-KR" altLang="en-US" dirty="0" smtClean="0"/>
+              <a:t>분석</a:t>
+            </a:r>
+            <a:endParaRPr lang="en-US" altLang="ko-KR" dirty="0" smtClean="0"/>
+          </a:p>
+          <a:p>
+            <a:pPr marL="0" indent="0" rtl="0">
+              <a:buNone/>
+            </a:pPr>
+            <a:r>
+              <a:rPr lang="en-US" altLang="ko-KR" dirty="0" err="1"/>
+              <a:t>t</a:t>
+            </a:r>
+            <a:r>
+              <a:rPr lang="en-US" altLang="ko-KR" dirty="0" err="1" smtClean="0"/>
+              <a:t>kinter</a:t>
+            </a:r>
+            <a:r>
+              <a:rPr lang="en-US" altLang="ko-KR" dirty="0" smtClean="0"/>
+              <a:t> </a:t>
+            </a:r>
+            <a:r>
+              <a:rPr lang="ko-KR" altLang="en-US" dirty="0" smtClean="0"/>
+              <a:t>로 </a:t>
+            </a:r>
+            <a:r>
+              <a:rPr lang="en-US" altLang="ko-KR" dirty="0" smtClean="0"/>
+              <a:t>GUI </a:t>
+            </a:r>
+            <a:r>
+              <a:rPr lang="ko-KR" altLang="en-US" smtClean="0"/>
+              <a:t>프로그램 작성</a:t>
             </a:r>
             <a:endParaRPr lang="ko-KR" altLang="en-US" dirty="0"/>
           </a:p>
@@ -20776,11 +20802,7 @@
             </a:r>
             <a:r>
               <a:rPr lang="ko-KR" altLang="en-US" sz="2000" dirty="0" smtClean="0"/>
-              <a:t> </a:t>
-            </a:r>
-            <a:r>
-              <a:rPr lang="ko-KR" altLang="en-US" sz="2000" dirty="0" smtClean="0"/>
-              <a:t>측정</a:t>
+              <a:t> 측정</a:t>
             </a:r>
             <a:endParaRPr lang="en-US" altLang="ko-KR" sz="2000" dirty="0" smtClean="0"/>
           </a:p>

--- a/titanic/Portfolio.pptx
+++ b/titanic/Portfolio.pptx
@@ -4770,8 +4770,8 @@
   </dgm:ptLst>
   <dgm:cxnLst>
     <dgm:cxn modelId="{DC9A0C36-ACE5-4170-AC23-651823DB6EFA}" srcId="{6EFC89FE-FF8A-4E7F-8AAE-ED230A623FB6}" destId="{7D2A3711-30AD-462D-AAA3-751EFE651616}" srcOrd="0" destOrd="0" parTransId="{76C27A1A-6717-4AD1-9DEC-05D3D9028FDD}" sibTransId="{D7FE2FEE-AA5B-4347-AAD5-BC3FA330F8F0}"/>
+    <dgm:cxn modelId="{6F699B43-48B7-4469-BEFC-0DA4E4A87706}" type="presOf" srcId="{3488BB1E-2AD0-410D-8484-AED0FD4F53C5}" destId="{15E8AA84-AC57-40CA-AE62-16742C61020F}" srcOrd="0" destOrd="1" presId="urn:microsoft.com/office/officeart/2005/8/layout/vList2"/>
     <dgm:cxn modelId="{746EBDFC-16F9-4B51-9F13-6A9A37D5FCF0}" srcId="{7D2A3711-30AD-462D-AAA3-751EFE651616}" destId="{30BF53A6-FA28-467A-8DA4-4CC39B9FFE13}" srcOrd="2" destOrd="0" parTransId="{1B4EB120-1437-4B1B-B490-89EAF48C32C7}" sibTransId="{23285FE0-6160-49F7-BBFF-BCF3E6EC34E1}"/>
-    <dgm:cxn modelId="{6F699B43-48B7-4469-BEFC-0DA4E4A87706}" type="presOf" srcId="{3488BB1E-2AD0-410D-8484-AED0FD4F53C5}" destId="{15E8AA84-AC57-40CA-AE62-16742C61020F}" srcOrd="0" destOrd="1" presId="urn:microsoft.com/office/officeart/2005/8/layout/vList2"/>
     <dgm:cxn modelId="{C5AB4C4D-E66D-4C35-8CFD-E37C96BD8525}" type="presOf" srcId="{6EFC89FE-FF8A-4E7F-8AAE-ED230A623FB6}" destId="{2A55BBF3-538E-459E-B505-578EB8499F53}" srcOrd="0" destOrd="0" presId="urn:microsoft.com/office/officeart/2005/8/layout/vList2"/>
     <dgm:cxn modelId="{B9F0EB48-ED65-4F07-8F9E-1E639CB8800A}" srcId="{7D2A3711-30AD-462D-AAA3-751EFE651616}" destId="{3488BB1E-2AD0-410D-8484-AED0FD4F53C5}" srcOrd="1" destOrd="0" parTransId="{8183B815-A741-4F5F-850D-9AAD2FDB5A16}" sibTransId="{1CED30C1-58ED-48C7-8196-DB3AE58D1ACC}"/>
     <dgm:cxn modelId="{D7F3DE89-22E3-47BF-A4EB-256757B45530}" type="presOf" srcId="{30BF53A6-FA28-467A-8DA4-4CC39B9FFE13}" destId="{15E8AA84-AC57-40CA-AE62-16742C61020F}" srcOrd="0" destOrd="2" presId="urn:microsoft.com/office/officeart/2005/8/layout/vList2"/>
@@ -5024,9 +5024,9 @@
     <dgm:cxn modelId="{BE914E04-0BFE-4EA8-94B9-009620EEF2F6}" type="presOf" srcId="{8DE28805-C3C2-4966-A019-B9FF979A9B88}" destId="{15E8AA84-AC57-40CA-AE62-16742C61020F}" srcOrd="0" destOrd="0" presId="urn:microsoft.com/office/officeart/2005/8/layout/vList2"/>
     <dgm:cxn modelId="{860052FA-B24B-43FB-8BD8-1C6F575A2982}" srcId="{7D2A3711-30AD-462D-AAA3-751EFE651616}" destId="{8DE28805-C3C2-4966-A019-B9FF979A9B88}" srcOrd="0" destOrd="0" parTransId="{7AB3D7EF-EE3A-488F-8A1D-F60A47C5B517}" sibTransId="{AFA6E202-2296-4A09-91EB-A4537A20CCB7}"/>
     <dgm:cxn modelId="{E88BA934-2DFA-4BFE-9C17-F244A084F199}" type="presOf" srcId="{B15F46D4-DAD4-4B4B-82AA-7B3BC639A149}" destId="{15E8AA84-AC57-40CA-AE62-16742C61020F}" srcOrd="0" destOrd="2" presId="urn:microsoft.com/office/officeart/2005/8/layout/vList2"/>
+    <dgm:cxn modelId="{F05F6A61-2B4A-439E-AC37-72339C062BEB}" type="presOf" srcId="{8BE79018-2E48-48B2-A90F-6E17103827F5}" destId="{15E8AA84-AC57-40CA-AE62-16742C61020F}" srcOrd="0" destOrd="1" presId="urn:microsoft.com/office/officeart/2005/8/layout/vList2"/>
+    <dgm:cxn modelId="{5522BEB9-3695-42B3-BDA3-456A1E85B352}" srcId="{7D2A3711-30AD-462D-AAA3-751EFE651616}" destId="{8BE79018-2E48-48B2-A90F-6E17103827F5}" srcOrd="1" destOrd="0" parTransId="{78DF3913-A559-4EC5-A41E-EF8B415A7B67}" sibTransId="{576B4564-B648-4563-9B74-1C5C80BB4639}"/>
     <dgm:cxn modelId="{8150A350-86C4-45E7-B1F4-6FAA109E8F90}" type="presOf" srcId="{7D2A3711-30AD-462D-AAA3-751EFE651616}" destId="{82D0A0E6-3711-436D-B580-07622653EB3C}" srcOrd="0" destOrd="0" presId="urn:microsoft.com/office/officeart/2005/8/layout/vList2"/>
-    <dgm:cxn modelId="{5522BEB9-3695-42B3-BDA3-456A1E85B352}" srcId="{7D2A3711-30AD-462D-AAA3-751EFE651616}" destId="{8BE79018-2E48-48B2-A90F-6E17103827F5}" srcOrd="1" destOrd="0" parTransId="{78DF3913-A559-4EC5-A41E-EF8B415A7B67}" sibTransId="{576B4564-B648-4563-9B74-1C5C80BB4639}"/>
-    <dgm:cxn modelId="{F05F6A61-2B4A-439E-AC37-72339C062BEB}" type="presOf" srcId="{8BE79018-2E48-48B2-A90F-6E17103827F5}" destId="{15E8AA84-AC57-40CA-AE62-16742C61020F}" srcOrd="0" destOrd="1" presId="urn:microsoft.com/office/officeart/2005/8/layout/vList2"/>
     <dgm:cxn modelId="{BF2BCC93-BC38-4190-BE2F-61BF69468C12}" type="presParOf" srcId="{2A55BBF3-538E-459E-B505-578EB8499F53}" destId="{82D0A0E6-3711-436D-B580-07622653EB3C}" srcOrd="0" destOrd="0" presId="urn:microsoft.com/office/officeart/2005/8/layout/vList2"/>
     <dgm:cxn modelId="{D2D5CA98-9338-4CCB-8267-8B73414221CF}" type="presParOf" srcId="{2A55BBF3-538E-459E-B505-578EB8499F53}" destId="{15E8AA84-AC57-40CA-AE62-16742C61020F}" srcOrd="1" destOrd="0" presId="urn:microsoft.com/office/officeart/2005/8/layout/vList2"/>
   </dgm:cxnLst>
@@ -19477,7 +19477,19 @@
               <a:rPr lang="en-US" altLang="ko-KR" sz="1600" dirty="0" smtClean="0">
                 <a:hlinkClick r:id="rId2"/>
               </a:rPr>
-              <a:t>github.com/Jeong-Seongwon/mygit/tree/main/titanic</a:t>
+              <a:t>github.com/Jeong-Seongwon/</a:t>
+            </a:r>
+            <a:r>
+              <a:rPr lang="en-US" altLang="ko-KR" sz="1600" dirty="0" smtClean="0">
+                <a:hlinkClick r:id="rId2"/>
+              </a:rPr>
+              <a:t>portfolio</a:t>
+            </a:r>
+            <a:r>
+              <a:rPr lang="en-US" altLang="ko-KR" sz="1600" dirty="0" smtClean="0">
+                <a:hlinkClick r:id="rId2"/>
+              </a:rPr>
+              <a:t>/tree/main/titanic</a:t>
             </a:r>
             <a:endParaRPr lang="en-US" altLang="ko-KR" sz="1600" dirty="0" smtClean="0"/>
           </a:p>
@@ -20397,11 +20409,7 @@
             </a:r>
             <a:r>
               <a:rPr lang="ko-KR" altLang="en-US" dirty="0" smtClean="0"/>
-              <a:t>내 다양한 모델을 활용해 학습 정확도 </a:t>
-            </a:r>
-            <a:r>
-              <a:rPr lang="ko-KR" altLang="en-US" dirty="0" smtClean="0"/>
-              <a:t>분석</a:t>
+              <a:t>내 다양한 모델을 활용해 학습 정확도 분석</a:t>
             </a:r>
             <a:endParaRPr lang="en-US" altLang="ko-KR" dirty="0" smtClean="0"/>
           </a:p>

--- a/titanic/Portfolio.pptx
+++ b/titanic/Portfolio.pptx
@@ -4770,8 +4770,8 @@
   </dgm:ptLst>
   <dgm:cxnLst>
     <dgm:cxn modelId="{DC9A0C36-ACE5-4170-AC23-651823DB6EFA}" srcId="{6EFC89FE-FF8A-4E7F-8AAE-ED230A623FB6}" destId="{7D2A3711-30AD-462D-AAA3-751EFE651616}" srcOrd="0" destOrd="0" parTransId="{76C27A1A-6717-4AD1-9DEC-05D3D9028FDD}" sibTransId="{D7FE2FEE-AA5B-4347-AAD5-BC3FA330F8F0}"/>
+    <dgm:cxn modelId="{746EBDFC-16F9-4B51-9F13-6A9A37D5FCF0}" srcId="{7D2A3711-30AD-462D-AAA3-751EFE651616}" destId="{30BF53A6-FA28-467A-8DA4-4CC39B9FFE13}" srcOrd="2" destOrd="0" parTransId="{1B4EB120-1437-4B1B-B490-89EAF48C32C7}" sibTransId="{23285FE0-6160-49F7-BBFF-BCF3E6EC34E1}"/>
     <dgm:cxn modelId="{6F699B43-48B7-4469-BEFC-0DA4E4A87706}" type="presOf" srcId="{3488BB1E-2AD0-410D-8484-AED0FD4F53C5}" destId="{15E8AA84-AC57-40CA-AE62-16742C61020F}" srcOrd="0" destOrd="1" presId="urn:microsoft.com/office/officeart/2005/8/layout/vList2"/>
-    <dgm:cxn modelId="{746EBDFC-16F9-4B51-9F13-6A9A37D5FCF0}" srcId="{7D2A3711-30AD-462D-AAA3-751EFE651616}" destId="{30BF53A6-FA28-467A-8DA4-4CC39B9FFE13}" srcOrd="2" destOrd="0" parTransId="{1B4EB120-1437-4B1B-B490-89EAF48C32C7}" sibTransId="{23285FE0-6160-49F7-BBFF-BCF3E6EC34E1}"/>
     <dgm:cxn modelId="{C5AB4C4D-E66D-4C35-8CFD-E37C96BD8525}" type="presOf" srcId="{6EFC89FE-FF8A-4E7F-8AAE-ED230A623FB6}" destId="{2A55BBF3-538E-459E-B505-578EB8499F53}" srcOrd="0" destOrd="0" presId="urn:microsoft.com/office/officeart/2005/8/layout/vList2"/>
     <dgm:cxn modelId="{B9F0EB48-ED65-4F07-8F9E-1E639CB8800A}" srcId="{7D2A3711-30AD-462D-AAA3-751EFE651616}" destId="{3488BB1E-2AD0-410D-8484-AED0FD4F53C5}" srcOrd="1" destOrd="0" parTransId="{8183B815-A741-4F5F-850D-9AAD2FDB5A16}" sibTransId="{1CED30C1-58ED-48C7-8196-DB3AE58D1ACC}"/>
     <dgm:cxn modelId="{D7F3DE89-22E3-47BF-A4EB-256757B45530}" type="presOf" srcId="{30BF53A6-FA28-467A-8DA4-4CC39B9FFE13}" destId="{15E8AA84-AC57-40CA-AE62-16742C61020F}" srcOrd="0" destOrd="2" presId="urn:microsoft.com/office/officeart/2005/8/layout/vList2"/>
@@ -5024,9 +5024,9 @@
     <dgm:cxn modelId="{BE914E04-0BFE-4EA8-94B9-009620EEF2F6}" type="presOf" srcId="{8DE28805-C3C2-4966-A019-B9FF979A9B88}" destId="{15E8AA84-AC57-40CA-AE62-16742C61020F}" srcOrd="0" destOrd="0" presId="urn:microsoft.com/office/officeart/2005/8/layout/vList2"/>
     <dgm:cxn modelId="{860052FA-B24B-43FB-8BD8-1C6F575A2982}" srcId="{7D2A3711-30AD-462D-AAA3-751EFE651616}" destId="{8DE28805-C3C2-4966-A019-B9FF979A9B88}" srcOrd="0" destOrd="0" parTransId="{7AB3D7EF-EE3A-488F-8A1D-F60A47C5B517}" sibTransId="{AFA6E202-2296-4A09-91EB-A4537A20CCB7}"/>
     <dgm:cxn modelId="{E88BA934-2DFA-4BFE-9C17-F244A084F199}" type="presOf" srcId="{B15F46D4-DAD4-4B4B-82AA-7B3BC639A149}" destId="{15E8AA84-AC57-40CA-AE62-16742C61020F}" srcOrd="0" destOrd="2" presId="urn:microsoft.com/office/officeart/2005/8/layout/vList2"/>
+    <dgm:cxn modelId="{8150A350-86C4-45E7-B1F4-6FAA109E8F90}" type="presOf" srcId="{7D2A3711-30AD-462D-AAA3-751EFE651616}" destId="{82D0A0E6-3711-436D-B580-07622653EB3C}" srcOrd="0" destOrd="0" presId="urn:microsoft.com/office/officeart/2005/8/layout/vList2"/>
+    <dgm:cxn modelId="{5522BEB9-3695-42B3-BDA3-456A1E85B352}" srcId="{7D2A3711-30AD-462D-AAA3-751EFE651616}" destId="{8BE79018-2E48-48B2-A90F-6E17103827F5}" srcOrd="1" destOrd="0" parTransId="{78DF3913-A559-4EC5-A41E-EF8B415A7B67}" sibTransId="{576B4564-B648-4563-9B74-1C5C80BB4639}"/>
     <dgm:cxn modelId="{F05F6A61-2B4A-439E-AC37-72339C062BEB}" type="presOf" srcId="{8BE79018-2E48-48B2-A90F-6E17103827F5}" destId="{15E8AA84-AC57-40CA-AE62-16742C61020F}" srcOrd="0" destOrd="1" presId="urn:microsoft.com/office/officeart/2005/8/layout/vList2"/>
-    <dgm:cxn modelId="{5522BEB9-3695-42B3-BDA3-456A1E85B352}" srcId="{7D2A3711-30AD-462D-AAA3-751EFE651616}" destId="{8BE79018-2E48-48B2-A90F-6E17103827F5}" srcOrd="1" destOrd="0" parTransId="{78DF3913-A559-4EC5-A41E-EF8B415A7B67}" sibTransId="{576B4564-B648-4563-9B74-1C5C80BB4639}"/>
-    <dgm:cxn modelId="{8150A350-86C4-45E7-B1F4-6FAA109E8F90}" type="presOf" srcId="{7D2A3711-30AD-462D-AAA3-751EFE651616}" destId="{82D0A0E6-3711-436D-B580-07622653EB3C}" srcOrd="0" destOrd="0" presId="urn:microsoft.com/office/officeart/2005/8/layout/vList2"/>
     <dgm:cxn modelId="{BF2BCC93-BC38-4190-BE2F-61BF69468C12}" type="presParOf" srcId="{2A55BBF3-538E-459E-B505-578EB8499F53}" destId="{82D0A0E6-3711-436D-B580-07622653EB3C}" srcOrd="0" destOrd="0" presId="urn:microsoft.com/office/officeart/2005/8/layout/vList2"/>
     <dgm:cxn modelId="{D2D5CA98-9338-4CCB-8267-8B73414221CF}" type="presParOf" srcId="{2A55BBF3-538E-459E-B505-578EB8499F53}" destId="{15E8AA84-AC57-40CA-AE62-16742C61020F}" srcOrd="1" destOrd="0" presId="urn:microsoft.com/office/officeart/2005/8/layout/vList2"/>
   </dgm:cxnLst>
@@ -10871,7 +10871,7 @@
                 <a:latin typeface="맑은 고딕" panose="020B0503020000020004" pitchFamily="50" charset="-127"/>
                 <a:ea typeface="맑은 고딕" panose="020B0503020000020004" pitchFamily="50" charset="-127"/>
               </a:rPr>
-              <a:t>2024-03-14</a:t>
+              <a:t>2024-03-15</a:t>
             </a:fld>
             <a:endParaRPr lang="ko-KR" altLang="en-US">
               <a:latin typeface="맑은 고딕" panose="020B0503020000020004" pitchFamily="50" charset="-127"/>
@@ -11057,7 +11057,7 @@
           <a:p>
             <a:fld id="{A6603DC1-1EAB-40C2-BD43-C56BDD106B2D}" type="datetime1">
               <a:rPr lang="ko-KR" altLang="en-US" noProof="0" smtClean="0"/>
-              <a:t>2024-03-14</a:t>
+              <a:t>2024-03-15</a:t>
             </a:fld>
             <a:endParaRPr lang="ko-KR" altLang="en-US" noProof="0"/>
           </a:p>
@@ -13075,7 +13075,7 @@
           <a:p>
             <a:fld id="{78F87D46-25E5-49AB-BA4B-46681A2FB7DE}" type="datetime1">
               <a:rPr lang="ko-KR" altLang="en-US" noProof="0" smtClean="0"/>
-              <a:t>2024-03-14</a:t>
+              <a:t>2024-03-15</a:t>
             </a:fld>
             <a:endParaRPr lang="ko-KR" altLang="en-US" noProof="0"/>
           </a:p>
@@ -13336,7 +13336,7 @@
           <a:p>
             <a:fld id="{76E4AA80-5FFB-4E83-9A37-D2D4DB167DA1}" type="datetime1">
               <a:rPr lang="ko-KR" altLang="en-US" noProof="0" smtClean="0"/>
-              <a:t>2024-03-14</a:t>
+              <a:t>2024-03-15</a:t>
             </a:fld>
             <a:endParaRPr lang="ko-KR" altLang="en-US" noProof="0"/>
           </a:p>
@@ -13607,7 +13607,7 @@
           <a:p>
             <a:fld id="{5FC15EA2-D3B4-4642-9A27-C3B0937B11C6}" type="datetime1">
               <a:rPr lang="ko-KR" altLang="en-US" noProof="0" smtClean="0"/>
-              <a:t>2024-03-14</a:t>
+              <a:t>2024-03-15</a:t>
             </a:fld>
             <a:endParaRPr lang="ko-KR" altLang="en-US" noProof="0"/>
           </a:p>
@@ -13858,7 +13858,7 @@
           <a:p>
             <a:fld id="{74A3C87F-1763-4789-91C7-4DB702EE398E}" type="datetime1">
               <a:rPr lang="ko-KR" altLang="en-US" noProof="0" smtClean="0"/>
-              <a:t>2024-03-14</a:t>
+              <a:t>2024-03-15</a:t>
             </a:fld>
             <a:endParaRPr lang="ko-KR" altLang="en-US" noProof="0"/>
           </a:p>
@@ -14109,7 +14109,7 @@
           <a:p>
             <a:fld id="{17A65C81-F84C-4108-BEF5-EB67D833E3A9}" type="datetime1">
               <a:rPr lang="ko-KR" altLang="en-US" noProof="0" smtClean="0"/>
-              <a:t>2024-03-14</a:t>
+              <a:t>2024-03-15</a:t>
             </a:fld>
             <a:endParaRPr lang="ko-KR" altLang="en-US" noProof="0"/>
           </a:p>
@@ -14413,7 +14413,7 @@
           <a:p>
             <a:fld id="{96AAAE59-1BDB-4BC7-8C12-23A0CFD562CB}" type="datetime1">
               <a:rPr lang="ko-KR" altLang="en-US" noProof="0" smtClean="0"/>
-              <a:t>2024-03-14</a:t>
+              <a:t>2024-03-15</a:t>
             </a:fld>
             <a:endParaRPr lang="ko-KR" altLang="en-US" noProof="0"/>
           </a:p>
@@ -14789,7 +14789,7 @@
           <a:p>
             <a:fld id="{A35158F4-73C5-45AD-B423-124C9C54F68F}" type="datetime1">
               <a:rPr lang="ko-KR" altLang="en-US" noProof="0" smtClean="0"/>
-              <a:t>2024-03-14</a:t>
+              <a:t>2024-03-15</a:t>
             </a:fld>
             <a:endParaRPr lang="ko-KR" altLang="en-US" noProof="0"/>
           </a:p>
@@ -15316,7 +15316,7 @@
           <a:p>
             <a:fld id="{A1D49FB9-1D28-41DA-B40D-C9547997CBDC}" type="datetime1">
               <a:rPr lang="ko-KR" altLang="en-US" noProof="0" smtClean="0"/>
-              <a:t>2024-03-14</a:t>
+              <a:t>2024-03-15</a:t>
             </a:fld>
             <a:endParaRPr lang="ko-KR" altLang="en-US" noProof="0"/>
           </a:p>
@@ -15479,7 +15479,7 @@
           <a:p>
             <a:fld id="{CE8204A8-394E-4932-B2B5-BF23D5A6E106}" type="datetime1">
               <a:rPr lang="ko-KR" altLang="en-US" noProof="0" smtClean="0"/>
-              <a:t>2024-03-14</a:t>
+              <a:t>2024-03-15</a:t>
             </a:fld>
             <a:endParaRPr lang="ko-KR" altLang="en-US" noProof="0"/>
           </a:p>
@@ -15770,7 +15770,7 @@
           <a:p>
             <a:fld id="{FC3F8FFB-E840-443D-94D7-270101C73401}" type="datetime1">
               <a:rPr lang="ko-KR" altLang="en-US" noProof="0" smtClean="0"/>
-              <a:t>2024-03-14</a:t>
+              <a:t>2024-03-15</a:t>
             </a:fld>
             <a:endParaRPr lang="ko-KR" altLang="en-US" noProof="0"/>
           </a:p>
@@ -16174,7 +16174,7 @@
           <a:p>
             <a:fld id="{AE229CAE-447B-48A0-89A3-673B2195BCE4}" type="datetime1">
               <a:rPr lang="ko-KR" altLang="en-US" noProof="0" smtClean="0"/>
-              <a:t>2024-03-14</a:t>
+              <a:t>2024-03-15</a:t>
             </a:fld>
             <a:endParaRPr lang="ko-KR" altLang="en-US" noProof="0"/>
           </a:p>
@@ -16556,7 +16556,7 @@
           <a:p>
             <a:fld id="{76FC5E80-A003-4FC9-8085-493D7FD69E39}" type="datetime1">
               <a:rPr lang="ko-KR" altLang="en-US" noProof="0" smtClean="0"/>
-              <a:t>2024-03-14</a:t>
+              <a:t>2024-03-15</a:t>
             </a:fld>
             <a:endParaRPr lang="ko-KR" altLang="en-US" noProof="0"/>
           </a:p>
@@ -17134,7 +17134,7 @@
           <a:p>
             <a:fld id="{F72FC373-2328-4228-A51A-0917F7F94F08}" type="datetime1">
               <a:rPr lang="ko-KR" altLang="en-US" noProof="0" smtClean="0"/>
-              <a:t>2024-03-14</a:t>
+              <a:t>2024-03-15</a:t>
             </a:fld>
             <a:endParaRPr lang="ko-KR" altLang="en-US" noProof="0"/>
           </a:p>
@@ -19477,19 +19477,7 @@
               <a:rPr lang="en-US" altLang="ko-KR" sz="1600" dirty="0" smtClean="0">
                 <a:hlinkClick r:id="rId2"/>
               </a:rPr>
-              <a:t>github.com/Jeong-Seongwon/</a:t>
-            </a:r>
-            <a:r>
-              <a:rPr lang="en-US" altLang="ko-KR" sz="1600" dirty="0" smtClean="0">
-                <a:hlinkClick r:id="rId2"/>
-              </a:rPr>
-              <a:t>portfolio</a:t>
-            </a:r>
-            <a:r>
-              <a:rPr lang="en-US" altLang="ko-KR" sz="1600" dirty="0" smtClean="0">
-                <a:hlinkClick r:id="rId2"/>
-              </a:rPr>
-              <a:t>/tree/main/titanic</a:t>
+              <a:t>github.com/Jeong-Seongwon/portfolio/tree/main/titanic</a:t>
             </a:r>
             <a:endParaRPr lang="en-US" altLang="ko-KR" sz="1600" dirty="0" smtClean="0"/>
           </a:p>
@@ -20781,8 +20769,8 @@
         </p:nvSpPr>
         <p:spPr>
           <a:xfrm>
-            <a:off x="4078188" y="1988840"/>
-            <a:ext cx="6840760" cy="3613625"/>
+            <a:off x="5961364" y="1840170"/>
+            <a:ext cx="5832648" cy="3613625"/>
           </a:xfrm>
         </p:spPr>
         <p:txBody>
@@ -20894,7 +20882,7 @@
       </p:sp>
       <p:pic>
         <p:nvPicPr>
-          <p:cNvPr id="5" name="그림 4"/>
+          <p:cNvPr id="4" name="그림 3"/>
           <p:cNvPicPr>
             <a:picLocks noChangeAspect="1"/>
           </p:cNvPicPr>
@@ -20908,8 +20896,8 @@
         </p:blipFill>
         <p:spPr>
           <a:xfrm>
-            <a:off x="1522876" y="1628799"/>
-            <a:ext cx="2195272" cy="3914053"/>
+            <a:off x="549796" y="1200669"/>
+            <a:ext cx="5331367" cy="4892626"/>
           </a:xfrm>
           <a:prstGeom prst="rect">
             <a:avLst/>

--- a/titanic/Portfolio.pptx
+++ b/titanic/Portfolio.pptx
@@ -5,10 +5,10 @@
     <p:sldMasterId id="2147483924" r:id="rId1"/>
   </p:sldMasterIdLst>
   <p:notesMasterIdLst>
-    <p:notesMasterId r:id="rId23"/>
+    <p:notesMasterId r:id="rId26"/>
   </p:notesMasterIdLst>
   <p:handoutMasterIdLst>
-    <p:handoutMasterId r:id="rId24"/>
+    <p:handoutMasterId r:id="rId27"/>
   </p:handoutMasterIdLst>
   <p:sldIdLst>
     <p:sldId id="268" r:id="rId2"/>
@@ -22,16 +22,19 @@
     <p:sldId id="272" r:id="rId10"/>
     <p:sldId id="273" r:id="rId11"/>
     <p:sldId id="274" r:id="rId12"/>
-    <p:sldId id="291" r:id="rId13"/>
-    <p:sldId id="292" r:id="rId14"/>
-    <p:sldId id="275" r:id="rId15"/>
-    <p:sldId id="276" r:id="rId16"/>
-    <p:sldId id="277" r:id="rId17"/>
-    <p:sldId id="278" r:id="rId18"/>
-    <p:sldId id="283" r:id="rId19"/>
-    <p:sldId id="284" r:id="rId20"/>
-    <p:sldId id="286" r:id="rId21"/>
-    <p:sldId id="287" r:id="rId22"/>
+    <p:sldId id="294" r:id="rId13"/>
+    <p:sldId id="293" r:id="rId14"/>
+    <p:sldId id="291" r:id="rId15"/>
+    <p:sldId id="295" r:id="rId16"/>
+    <p:sldId id="292" r:id="rId17"/>
+    <p:sldId id="275" r:id="rId18"/>
+    <p:sldId id="276" r:id="rId19"/>
+    <p:sldId id="277" r:id="rId20"/>
+    <p:sldId id="278" r:id="rId21"/>
+    <p:sldId id="283" r:id="rId22"/>
+    <p:sldId id="284" r:id="rId23"/>
+    <p:sldId id="286" r:id="rId24"/>
+    <p:sldId id="287" r:id="rId25"/>
   </p:sldIdLst>
   <p:sldSz cx="12188825" cy="6858000"/>
   <p:notesSz cx="6858000" cy="9144000"/>
@@ -4770,8 +4773,8 @@
   </dgm:ptLst>
   <dgm:cxnLst>
     <dgm:cxn modelId="{DC9A0C36-ACE5-4170-AC23-651823DB6EFA}" srcId="{6EFC89FE-FF8A-4E7F-8AAE-ED230A623FB6}" destId="{7D2A3711-30AD-462D-AAA3-751EFE651616}" srcOrd="0" destOrd="0" parTransId="{76C27A1A-6717-4AD1-9DEC-05D3D9028FDD}" sibTransId="{D7FE2FEE-AA5B-4347-AAD5-BC3FA330F8F0}"/>
+    <dgm:cxn modelId="{6F699B43-48B7-4469-BEFC-0DA4E4A87706}" type="presOf" srcId="{3488BB1E-2AD0-410D-8484-AED0FD4F53C5}" destId="{15E8AA84-AC57-40CA-AE62-16742C61020F}" srcOrd="0" destOrd="1" presId="urn:microsoft.com/office/officeart/2005/8/layout/vList2"/>
     <dgm:cxn modelId="{746EBDFC-16F9-4B51-9F13-6A9A37D5FCF0}" srcId="{7D2A3711-30AD-462D-AAA3-751EFE651616}" destId="{30BF53A6-FA28-467A-8DA4-4CC39B9FFE13}" srcOrd="2" destOrd="0" parTransId="{1B4EB120-1437-4B1B-B490-89EAF48C32C7}" sibTransId="{23285FE0-6160-49F7-BBFF-BCF3E6EC34E1}"/>
-    <dgm:cxn modelId="{6F699B43-48B7-4469-BEFC-0DA4E4A87706}" type="presOf" srcId="{3488BB1E-2AD0-410D-8484-AED0FD4F53C5}" destId="{15E8AA84-AC57-40CA-AE62-16742C61020F}" srcOrd="0" destOrd="1" presId="urn:microsoft.com/office/officeart/2005/8/layout/vList2"/>
     <dgm:cxn modelId="{C5AB4C4D-E66D-4C35-8CFD-E37C96BD8525}" type="presOf" srcId="{6EFC89FE-FF8A-4E7F-8AAE-ED230A623FB6}" destId="{2A55BBF3-538E-459E-B505-578EB8499F53}" srcOrd="0" destOrd="0" presId="urn:microsoft.com/office/officeart/2005/8/layout/vList2"/>
     <dgm:cxn modelId="{B9F0EB48-ED65-4F07-8F9E-1E639CB8800A}" srcId="{7D2A3711-30AD-462D-AAA3-751EFE651616}" destId="{3488BB1E-2AD0-410D-8484-AED0FD4F53C5}" srcOrd="1" destOrd="0" parTransId="{8183B815-A741-4F5F-850D-9AAD2FDB5A16}" sibTransId="{1CED30C1-58ED-48C7-8196-DB3AE58D1ACC}"/>
     <dgm:cxn modelId="{D7F3DE89-22E3-47BF-A4EB-256757B45530}" type="presOf" srcId="{30BF53A6-FA28-467A-8DA4-4CC39B9FFE13}" destId="{15E8AA84-AC57-40CA-AE62-16742C61020F}" srcOrd="0" destOrd="2" presId="urn:microsoft.com/office/officeart/2005/8/layout/vList2"/>
@@ -5024,9 +5027,9 @@
     <dgm:cxn modelId="{BE914E04-0BFE-4EA8-94B9-009620EEF2F6}" type="presOf" srcId="{8DE28805-C3C2-4966-A019-B9FF979A9B88}" destId="{15E8AA84-AC57-40CA-AE62-16742C61020F}" srcOrd="0" destOrd="0" presId="urn:microsoft.com/office/officeart/2005/8/layout/vList2"/>
     <dgm:cxn modelId="{860052FA-B24B-43FB-8BD8-1C6F575A2982}" srcId="{7D2A3711-30AD-462D-AAA3-751EFE651616}" destId="{8DE28805-C3C2-4966-A019-B9FF979A9B88}" srcOrd="0" destOrd="0" parTransId="{7AB3D7EF-EE3A-488F-8A1D-F60A47C5B517}" sibTransId="{AFA6E202-2296-4A09-91EB-A4537A20CCB7}"/>
     <dgm:cxn modelId="{E88BA934-2DFA-4BFE-9C17-F244A084F199}" type="presOf" srcId="{B15F46D4-DAD4-4B4B-82AA-7B3BC639A149}" destId="{15E8AA84-AC57-40CA-AE62-16742C61020F}" srcOrd="0" destOrd="2" presId="urn:microsoft.com/office/officeart/2005/8/layout/vList2"/>
+    <dgm:cxn modelId="{F05F6A61-2B4A-439E-AC37-72339C062BEB}" type="presOf" srcId="{8BE79018-2E48-48B2-A90F-6E17103827F5}" destId="{15E8AA84-AC57-40CA-AE62-16742C61020F}" srcOrd="0" destOrd="1" presId="urn:microsoft.com/office/officeart/2005/8/layout/vList2"/>
+    <dgm:cxn modelId="{5522BEB9-3695-42B3-BDA3-456A1E85B352}" srcId="{7D2A3711-30AD-462D-AAA3-751EFE651616}" destId="{8BE79018-2E48-48B2-A90F-6E17103827F5}" srcOrd="1" destOrd="0" parTransId="{78DF3913-A559-4EC5-A41E-EF8B415A7B67}" sibTransId="{576B4564-B648-4563-9B74-1C5C80BB4639}"/>
     <dgm:cxn modelId="{8150A350-86C4-45E7-B1F4-6FAA109E8F90}" type="presOf" srcId="{7D2A3711-30AD-462D-AAA3-751EFE651616}" destId="{82D0A0E6-3711-436D-B580-07622653EB3C}" srcOrd="0" destOrd="0" presId="urn:microsoft.com/office/officeart/2005/8/layout/vList2"/>
-    <dgm:cxn modelId="{5522BEB9-3695-42B3-BDA3-456A1E85B352}" srcId="{7D2A3711-30AD-462D-AAA3-751EFE651616}" destId="{8BE79018-2E48-48B2-A90F-6E17103827F5}" srcOrd="1" destOrd="0" parTransId="{78DF3913-A559-4EC5-A41E-EF8B415A7B67}" sibTransId="{576B4564-B648-4563-9B74-1C5C80BB4639}"/>
-    <dgm:cxn modelId="{F05F6A61-2B4A-439E-AC37-72339C062BEB}" type="presOf" srcId="{8BE79018-2E48-48B2-A90F-6E17103827F5}" destId="{15E8AA84-AC57-40CA-AE62-16742C61020F}" srcOrd="0" destOrd="1" presId="urn:microsoft.com/office/officeart/2005/8/layout/vList2"/>
     <dgm:cxn modelId="{BF2BCC93-BC38-4190-BE2F-61BF69468C12}" type="presParOf" srcId="{2A55BBF3-538E-459E-B505-578EB8499F53}" destId="{82D0A0E6-3711-436D-B580-07622653EB3C}" srcOrd="0" destOrd="0" presId="urn:microsoft.com/office/officeart/2005/8/layout/vList2"/>
     <dgm:cxn modelId="{D2D5CA98-9338-4CCB-8267-8B73414221CF}" type="presParOf" srcId="{2A55BBF3-538E-459E-B505-578EB8499F53}" destId="{15E8AA84-AC57-40CA-AE62-16742C61020F}" srcOrd="1" destOrd="0" presId="urn:microsoft.com/office/officeart/2005/8/layout/vList2"/>
   </dgm:cxnLst>
@@ -11500,7 +11503,7 @@
     </p:spTree>
     <p:extLst>
       <p:ext uri="{BB962C8B-B14F-4D97-AF65-F5344CB8AC3E}">
-        <p14:creationId xmlns:p14="http://schemas.microsoft.com/office/powerpoint/2010/main" val="3358315363"/>
+        <p14:creationId xmlns:p14="http://schemas.microsoft.com/office/powerpoint/2010/main" val="3078944812"/>
       </p:ext>
     </p:extLst>
   </p:cSld>
@@ -11586,7 +11589,7 @@
     </p:spTree>
     <p:extLst>
       <p:ext uri="{BB962C8B-B14F-4D97-AF65-F5344CB8AC3E}">
-        <p14:creationId xmlns:p14="http://schemas.microsoft.com/office/powerpoint/2010/main" val="3974002071"/>
+        <p14:creationId xmlns:p14="http://schemas.microsoft.com/office/powerpoint/2010/main" val="636581869"/>
       </p:ext>
     </p:extLst>
   </p:cSld>
@@ -11672,7 +11675,7 @@
     </p:spTree>
     <p:extLst>
       <p:ext uri="{BB962C8B-B14F-4D97-AF65-F5344CB8AC3E}">
-        <p14:creationId xmlns:p14="http://schemas.microsoft.com/office/powerpoint/2010/main" val="1581744821"/>
+        <p14:creationId xmlns:p14="http://schemas.microsoft.com/office/powerpoint/2010/main" val="306121218"/>
       </p:ext>
     </p:extLst>
   </p:cSld>
@@ -11750,6 +11753,264 @@
             <a:fld id="{BF105DB2-FD3E-441D-8B7E-7AE83ECE27B3}" type="slidenum">
               <a:rPr lang="en-US" altLang="ko-KR" smtClean="0"/>
               <a:t>17</a:t>
+            </a:fld>
+            <a:endParaRPr lang="ko-KR" altLang="en-US"/>
+          </a:p>
+        </p:txBody>
+      </p:sp>
+    </p:spTree>
+    <p:extLst>
+      <p:ext uri="{BB962C8B-B14F-4D97-AF65-F5344CB8AC3E}">
+        <p14:creationId xmlns:p14="http://schemas.microsoft.com/office/powerpoint/2010/main" val="3358315363"/>
+      </p:ext>
+    </p:extLst>
+  </p:cSld>
+  <p:clrMapOvr>
+    <a:masterClrMapping/>
+  </p:clrMapOvr>
+</p:notes>
+</file>
+
+<file path=ppt/notesSlides/notesSlide14.xml><?xml version="1.0" encoding="utf-8"?>
+<p:notes xmlns:a="http://schemas.openxmlformats.org/drawingml/2006/main" xmlns:r="http://schemas.openxmlformats.org/officeDocument/2006/relationships" xmlns:p="http://schemas.openxmlformats.org/presentationml/2006/main">
+  <p:cSld>
+    <p:spTree>
+      <p:nvGrpSpPr>
+        <p:cNvPr id="1" name=""/>
+        <p:cNvGrpSpPr/>
+        <p:nvPr/>
+      </p:nvGrpSpPr>
+      <p:grpSpPr>
+        <a:xfrm>
+          <a:off x="0" y="0"/>
+          <a:ext cx="0" cy="0"/>
+          <a:chOff x="0" y="0"/>
+          <a:chExt cx="0" cy="0"/>
+        </a:xfrm>
+      </p:grpSpPr>
+      <p:sp>
+        <p:nvSpPr>
+          <p:cNvPr id="2" name="슬라이드 이미지 개체 틀 1"/>
+          <p:cNvSpPr>
+            <a:spLocks noGrp="1" noRot="1" noChangeAspect="1"/>
+          </p:cNvSpPr>
+          <p:nvPr>
+            <p:ph type="sldImg"/>
+          </p:nvPr>
+        </p:nvSpPr>
+        <p:spPr/>
+      </p:sp>
+      <p:sp>
+        <p:nvSpPr>
+          <p:cNvPr id="3" name="슬라이드 노트 개체 틀 2"/>
+          <p:cNvSpPr>
+            <a:spLocks noGrp="1"/>
+          </p:cNvSpPr>
+          <p:nvPr>
+            <p:ph type="body" idx="1"/>
+          </p:nvPr>
+        </p:nvSpPr>
+        <p:spPr/>
+        <p:txBody>
+          <a:bodyPr rtlCol="0"/>
+          <a:lstStyle/>
+          <a:p>
+            <a:pPr rtl="0"/>
+            <a:endParaRPr lang="ko-KR" altLang="en-US"/>
+          </a:p>
+        </p:txBody>
+      </p:sp>
+      <p:sp>
+        <p:nvSpPr>
+          <p:cNvPr id="4" name="슬라이드 번호 개체 틀 3"/>
+          <p:cNvSpPr>
+            <a:spLocks noGrp="1"/>
+          </p:cNvSpPr>
+          <p:nvPr>
+            <p:ph type="sldNum" sz="quarter" idx="10"/>
+          </p:nvPr>
+        </p:nvSpPr>
+        <p:spPr/>
+        <p:txBody>
+          <a:bodyPr rtlCol="0"/>
+          <a:lstStyle/>
+          <a:p>
+            <a:pPr rtl="0"/>
+            <a:fld id="{BF105DB2-FD3E-441D-8B7E-7AE83ECE27B3}" type="slidenum">
+              <a:rPr lang="en-US" altLang="ko-KR" smtClean="0"/>
+              <a:t>18</a:t>
+            </a:fld>
+            <a:endParaRPr lang="ko-KR" altLang="en-US"/>
+          </a:p>
+        </p:txBody>
+      </p:sp>
+    </p:spTree>
+    <p:extLst>
+      <p:ext uri="{BB962C8B-B14F-4D97-AF65-F5344CB8AC3E}">
+        <p14:creationId xmlns:p14="http://schemas.microsoft.com/office/powerpoint/2010/main" val="3974002071"/>
+      </p:ext>
+    </p:extLst>
+  </p:cSld>
+  <p:clrMapOvr>
+    <a:masterClrMapping/>
+  </p:clrMapOvr>
+</p:notes>
+</file>
+
+<file path=ppt/notesSlides/notesSlide15.xml><?xml version="1.0" encoding="utf-8"?>
+<p:notes xmlns:a="http://schemas.openxmlformats.org/drawingml/2006/main" xmlns:r="http://schemas.openxmlformats.org/officeDocument/2006/relationships" xmlns:p="http://schemas.openxmlformats.org/presentationml/2006/main">
+  <p:cSld>
+    <p:spTree>
+      <p:nvGrpSpPr>
+        <p:cNvPr id="1" name=""/>
+        <p:cNvGrpSpPr/>
+        <p:nvPr/>
+      </p:nvGrpSpPr>
+      <p:grpSpPr>
+        <a:xfrm>
+          <a:off x="0" y="0"/>
+          <a:ext cx="0" cy="0"/>
+          <a:chOff x="0" y="0"/>
+          <a:chExt cx="0" cy="0"/>
+        </a:xfrm>
+      </p:grpSpPr>
+      <p:sp>
+        <p:nvSpPr>
+          <p:cNvPr id="2" name="슬라이드 이미지 개체 틀 1"/>
+          <p:cNvSpPr>
+            <a:spLocks noGrp="1" noRot="1" noChangeAspect="1"/>
+          </p:cNvSpPr>
+          <p:nvPr>
+            <p:ph type="sldImg"/>
+          </p:nvPr>
+        </p:nvSpPr>
+        <p:spPr/>
+      </p:sp>
+      <p:sp>
+        <p:nvSpPr>
+          <p:cNvPr id="3" name="슬라이드 노트 개체 틀 2"/>
+          <p:cNvSpPr>
+            <a:spLocks noGrp="1"/>
+          </p:cNvSpPr>
+          <p:nvPr>
+            <p:ph type="body" idx="1"/>
+          </p:nvPr>
+        </p:nvSpPr>
+        <p:spPr/>
+        <p:txBody>
+          <a:bodyPr rtlCol="0"/>
+          <a:lstStyle/>
+          <a:p>
+            <a:pPr rtl="0"/>
+            <a:endParaRPr lang="ko-KR" altLang="en-US"/>
+          </a:p>
+        </p:txBody>
+      </p:sp>
+      <p:sp>
+        <p:nvSpPr>
+          <p:cNvPr id="4" name="슬라이드 번호 개체 틀 3"/>
+          <p:cNvSpPr>
+            <a:spLocks noGrp="1"/>
+          </p:cNvSpPr>
+          <p:nvPr>
+            <p:ph type="sldNum" sz="quarter" idx="10"/>
+          </p:nvPr>
+        </p:nvSpPr>
+        <p:spPr/>
+        <p:txBody>
+          <a:bodyPr rtlCol="0"/>
+          <a:lstStyle/>
+          <a:p>
+            <a:pPr rtl="0"/>
+            <a:fld id="{BF105DB2-FD3E-441D-8B7E-7AE83ECE27B3}" type="slidenum">
+              <a:rPr lang="en-US" altLang="ko-KR" smtClean="0"/>
+              <a:t>19</a:t>
+            </a:fld>
+            <a:endParaRPr lang="ko-KR" altLang="en-US"/>
+          </a:p>
+        </p:txBody>
+      </p:sp>
+    </p:spTree>
+    <p:extLst>
+      <p:ext uri="{BB962C8B-B14F-4D97-AF65-F5344CB8AC3E}">
+        <p14:creationId xmlns:p14="http://schemas.microsoft.com/office/powerpoint/2010/main" val="1581744821"/>
+      </p:ext>
+    </p:extLst>
+  </p:cSld>
+  <p:clrMapOvr>
+    <a:masterClrMapping/>
+  </p:clrMapOvr>
+</p:notes>
+</file>
+
+<file path=ppt/notesSlides/notesSlide16.xml><?xml version="1.0" encoding="utf-8"?>
+<p:notes xmlns:a="http://schemas.openxmlformats.org/drawingml/2006/main" xmlns:r="http://schemas.openxmlformats.org/officeDocument/2006/relationships" xmlns:p="http://schemas.openxmlformats.org/presentationml/2006/main">
+  <p:cSld>
+    <p:spTree>
+      <p:nvGrpSpPr>
+        <p:cNvPr id="1" name=""/>
+        <p:cNvGrpSpPr/>
+        <p:nvPr/>
+      </p:nvGrpSpPr>
+      <p:grpSpPr>
+        <a:xfrm>
+          <a:off x="0" y="0"/>
+          <a:ext cx="0" cy="0"/>
+          <a:chOff x="0" y="0"/>
+          <a:chExt cx="0" cy="0"/>
+        </a:xfrm>
+      </p:grpSpPr>
+      <p:sp>
+        <p:nvSpPr>
+          <p:cNvPr id="2" name="슬라이드 이미지 개체 틀 1"/>
+          <p:cNvSpPr>
+            <a:spLocks noGrp="1" noRot="1" noChangeAspect="1"/>
+          </p:cNvSpPr>
+          <p:nvPr>
+            <p:ph type="sldImg"/>
+          </p:nvPr>
+        </p:nvSpPr>
+        <p:spPr/>
+      </p:sp>
+      <p:sp>
+        <p:nvSpPr>
+          <p:cNvPr id="3" name="슬라이드 노트 개체 틀 2"/>
+          <p:cNvSpPr>
+            <a:spLocks noGrp="1"/>
+          </p:cNvSpPr>
+          <p:nvPr>
+            <p:ph type="body" idx="1"/>
+          </p:nvPr>
+        </p:nvSpPr>
+        <p:spPr/>
+        <p:txBody>
+          <a:bodyPr rtlCol="0"/>
+          <a:lstStyle/>
+          <a:p>
+            <a:pPr rtl="0"/>
+            <a:endParaRPr lang="ko-KR" altLang="en-US"/>
+          </a:p>
+        </p:txBody>
+      </p:sp>
+      <p:sp>
+        <p:nvSpPr>
+          <p:cNvPr id="4" name="슬라이드 번호 개체 틀 3"/>
+          <p:cNvSpPr>
+            <a:spLocks noGrp="1"/>
+          </p:cNvSpPr>
+          <p:nvPr>
+            <p:ph type="sldNum" sz="quarter" idx="10"/>
+          </p:nvPr>
+        </p:nvSpPr>
+        <p:spPr/>
+        <p:txBody>
+          <a:bodyPr rtlCol="0"/>
+          <a:lstStyle/>
+          <a:p>
+            <a:pPr rtl="0"/>
+            <a:fld id="{BF105DB2-FD3E-441D-8B7E-7AE83ECE27B3}" type="slidenum">
+              <a:rPr lang="en-US" altLang="ko-KR" smtClean="0"/>
+              <a:t>20</a:t>
             </a:fld>
             <a:endParaRPr lang="ko-KR" altLang="en-US"/>
           </a:p>
@@ -12360,7 +12621,7 @@
     </p:spTree>
     <p:extLst>
       <p:ext uri="{BB962C8B-B14F-4D97-AF65-F5344CB8AC3E}">
-        <p14:creationId xmlns:p14="http://schemas.microsoft.com/office/powerpoint/2010/main" val="3078944812"/>
+        <p14:creationId xmlns:p14="http://schemas.microsoft.com/office/powerpoint/2010/main" val="928300074"/>
       </p:ext>
     </p:extLst>
   </p:cSld>
@@ -12446,7 +12707,7 @@
     </p:spTree>
     <p:extLst>
       <p:ext uri="{BB962C8B-B14F-4D97-AF65-F5344CB8AC3E}">
-        <p14:creationId xmlns:p14="http://schemas.microsoft.com/office/powerpoint/2010/main" val="306121218"/>
+        <p14:creationId xmlns:p14="http://schemas.microsoft.com/office/powerpoint/2010/main" val="554891466"/>
       </p:ext>
     </p:extLst>
   </p:cSld>
@@ -17796,6 +18057,13 @@
       </p:transition>
     </mc:Fallback>
   </mc:AlternateContent>
+  <p:timing>
+    <p:tnLst>
+      <p:par>
+        <p:cTn id="1" dur="indefinite" restart="never" nodeType="tmRoot"/>
+      </p:par>
+    </p:tnLst>
+  </p:timing>
 </p:sld>
 </file>
 
@@ -17841,9 +18109,203 @@
             <a:pPr rtl="0"/>
             <a:r>
               <a:rPr lang="ko-KR" altLang="en-US" dirty="0" smtClean="0"/>
-              <a:t>나이 성별 생존율 그래프</a:t>
+              <a:t>성별 간 </a:t>
+            </a:r>
+            <a:r>
+              <a:rPr lang="ko-KR" altLang="en-US" dirty="0" smtClean="0"/>
+              <a:t>생존율 그래프</a:t>
             </a:r>
             <a:endParaRPr lang="ko-KR" altLang="en-US" dirty="0"/>
+          </a:p>
+        </p:txBody>
+      </p:sp>
+      <p:pic>
+        <p:nvPicPr>
+          <p:cNvPr id="9" name="그림 8"/>
+          <p:cNvPicPr>
+            <a:picLocks noChangeAspect="1"/>
+          </p:cNvPicPr>
+          <p:nvPr/>
+        </p:nvPicPr>
+        <p:blipFill>
+          <a:blip r:embed="rId3"/>
+          <a:stretch>
+            <a:fillRect/>
+          </a:stretch>
+        </p:blipFill>
+        <p:spPr>
+          <a:xfrm>
+            <a:off x="765820" y="1556792"/>
+            <a:ext cx="5157917" cy="4122617"/>
+          </a:xfrm>
+          <a:prstGeom prst="rect">
+            <a:avLst/>
+          </a:prstGeom>
+        </p:spPr>
+      </p:pic>
+      <p:sp>
+        <p:nvSpPr>
+          <p:cNvPr id="5" name="내용 개체 틀 1"/>
+          <p:cNvSpPr>
+            <a:spLocks noGrp="1"/>
+          </p:cNvSpPr>
+          <p:nvPr>
+            <p:ph idx="1"/>
+          </p:nvPr>
+        </p:nvSpPr>
+        <p:spPr>
+          <a:xfrm>
+            <a:off x="6618254" y="1628800"/>
+            <a:ext cx="5020774" cy="3697465"/>
+          </a:xfrm>
+        </p:spPr>
+        <p:txBody>
+          <a:bodyPr anchor="ctr">
+            <a:normAutofit/>
+          </a:bodyPr>
+          <a:lstStyle/>
+          <a:p>
+            <a:r>
+              <a:rPr lang="ko-KR" altLang="en-US" sz="2000" dirty="0" smtClean="0"/>
+              <a:t>여성의 생존율이 남성보다 월등히 높음</a:t>
+            </a:r>
+            <a:endParaRPr lang="en-US" altLang="ko-KR" sz="2000" dirty="0" smtClean="0"/>
+          </a:p>
+          <a:p>
+            <a:r>
+              <a:rPr lang="ko-KR" altLang="en-US" sz="2000" dirty="0" smtClean="0"/>
+              <a:t>당시 영국의 시대상 레이디 퍼스트 문화의 영향으로 보임</a:t>
+            </a:r>
+            <a:endParaRPr lang="ko-KR" altLang="en-US" sz="2000" dirty="0"/>
+          </a:p>
+        </p:txBody>
+      </p:sp>
+    </p:spTree>
+    <p:extLst>
+      <p:ext uri="{BB962C8B-B14F-4D97-AF65-F5344CB8AC3E}">
+        <p14:creationId xmlns:p14="http://schemas.microsoft.com/office/powerpoint/2010/main" val="515381222"/>
+      </p:ext>
+    </p:extLst>
+  </p:cSld>
+  <p:clrMapOvr>
+    <a:masterClrMapping/>
+  </p:clrMapOvr>
+  <mc:AlternateContent xmlns:mc="http://schemas.openxmlformats.org/markup-compatibility/2006" xmlns:p14="http://schemas.microsoft.com/office/powerpoint/2010/main">
+    <mc:Choice Requires="p14">
+      <p:transition spd="med" p14:dur="700">
+        <p:fade/>
+      </p:transition>
+    </mc:Choice>
+    <mc:Fallback xmlns="">
+      <p:transition spd="med">
+        <p:fade/>
+      </p:transition>
+    </mc:Fallback>
+  </mc:AlternateContent>
+  <p:timing>
+    <p:tnLst>
+      <p:par>
+        <p:cTn id="1" dur="indefinite" restart="never" nodeType="tmRoot"/>
+      </p:par>
+    </p:tnLst>
+  </p:timing>
+</p:sld>
+</file>
+
+<file path=ppt/slides/slide12.xml><?xml version="1.0" encoding="utf-8"?>
+<p:sld xmlns:a="http://schemas.openxmlformats.org/drawingml/2006/main" xmlns:r="http://schemas.openxmlformats.org/officeDocument/2006/relationships" xmlns:p="http://schemas.openxmlformats.org/presentationml/2006/main">
+  <p:cSld>
+    <p:spTree>
+      <p:nvGrpSpPr>
+        <p:cNvPr id="1" name=""/>
+        <p:cNvGrpSpPr/>
+        <p:nvPr/>
+      </p:nvGrpSpPr>
+      <p:grpSpPr>
+        <a:xfrm>
+          <a:off x="0" y="0"/>
+          <a:ext cx="0" cy="0"/>
+          <a:chOff x="0" y="0"/>
+          <a:chExt cx="0" cy="0"/>
+        </a:xfrm>
+      </p:grpSpPr>
+      <p:sp>
+        <p:nvSpPr>
+          <p:cNvPr id="3" name="제목 2"/>
+          <p:cNvSpPr>
+            <a:spLocks noGrp="1"/>
+          </p:cNvSpPr>
+          <p:nvPr>
+            <p:ph type="title"/>
+          </p:nvPr>
+        </p:nvSpPr>
+        <p:spPr>
+          <a:xfrm>
+            <a:off x="1522876" y="609600"/>
+            <a:ext cx="9143538" cy="587152"/>
+          </a:xfrm>
+        </p:spPr>
+        <p:txBody>
+          <a:bodyPr rtlCol="0">
+            <a:normAutofit/>
+          </a:bodyPr>
+          <a:lstStyle/>
+          <a:p>
+            <a:pPr rtl="0"/>
+            <a:r>
+              <a:rPr lang="ko-KR" altLang="en-US" dirty="0" smtClean="0"/>
+              <a:t>나이 구간별 </a:t>
+            </a:r>
+            <a:r>
+              <a:rPr lang="ko-KR" altLang="en-US" dirty="0" smtClean="0"/>
+              <a:t>생존율 그래프</a:t>
+            </a:r>
+            <a:endParaRPr lang="ko-KR" altLang="en-US" dirty="0"/>
+          </a:p>
+        </p:txBody>
+      </p:sp>
+      <p:sp>
+        <p:nvSpPr>
+          <p:cNvPr id="2" name="내용 개체 틀 1"/>
+          <p:cNvSpPr>
+            <a:spLocks noGrp="1"/>
+          </p:cNvSpPr>
+          <p:nvPr>
+            <p:ph idx="1"/>
+          </p:nvPr>
+        </p:nvSpPr>
+        <p:spPr>
+          <a:xfrm>
+            <a:off x="6618254" y="1628800"/>
+            <a:ext cx="4660734" cy="3697465"/>
+          </a:xfrm>
+        </p:spPr>
+        <p:txBody>
+          <a:bodyPr anchor="ctr">
+            <a:normAutofit/>
+          </a:bodyPr>
+          <a:lstStyle/>
+          <a:p>
+            <a:r>
+              <a:rPr lang="ko-KR" altLang="en-US" sz="2000" dirty="0" smtClean="0"/>
+              <a:t>나이를 </a:t>
+            </a:r>
+            <a:r>
+              <a:rPr lang="en-US" altLang="ko-KR" sz="2000" dirty="0" smtClean="0"/>
+              <a:t>4</a:t>
+            </a:r>
+            <a:r>
+              <a:rPr lang="ko-KR" altLang="en-US" sz="2000" dirty="0" smtClean="0"/>
+              <a:t>분위 구간으로 나눔</a:t>
+            </a:r>
+            <a:endParaRPr lang="en-US" altLang="ko-KR" sz="2000" dirty="0" smtClean="0"/>
+          </a:p>
+          <a:p>
+            <a:r>
+              <a:rPr lang="ko-KR" altLang="en-US" sz="2000" dirty="0" smtClean="0"/>
+              <a:t>나이와 생존율의 관계가 클 것으로 예상했으나 크게 연관이 없는 것으로 나타남</a:t>
+            </a:r>
+            <a:endParaRPr lang="en-US" altLang="ko-KR" sz="2000" dirty="0" smtClean="0"/>
           </a:p>
         </p:txBody>
       </p:sp>
@@ -17871,34 +18333,10 @@
           </a:prstGeom>
         </p:spPr>
       </p:pic>
-      <p:pic>
-        <p:nvPicPr>
-          <p:cNvPr id="9" name="그림 8"/>
-          <p:cNvPicPr>
-            <a:picLocks noChangeAspect="1"/>
-          </p:cNvPicPr>
-          <p:nvPr/>
-        </p:nvPicPr>
-        <p:blipFill>
-          <a:blip r:embed="rId4"/>
-          <a:stretch>
-            <a:fillRect/>
-          </a:stretch>
-        </p:blipFill>
-        <p:spPr>
-          <a:xfrm>
-            <a:off x="6094645" y="1627323"/>
-            <a:ext cx="5157917" cy="4122617"/>
-          </a:xfrm>
-          <a:prstGeom prst="rect">
-            <a:avLst/>
-          </a:prstGeom>
-        </p:spPr>
-      </p:pic>
     </p:spTree>
     <p:extLst>
       <p:ext uri="{BB962C8B-B14F-4D97-AF65-F5344CB8AC3E}">
-        <p14:creationId xmlns:p14="http://schemas.microsoft.com/office/powerpoint/2010/main" val="515381222"/>
+        <p14:creationId xmlns:p14="http://schemas.microsoft.com/office/powerpoint/2010/main" val="2107497280"/>
       </p:ext>
     </p:extLst>
   </p:cSld>
@@ -17917,10 +18355,176 @@
       </p:transition>
     </mc:Fallback>
   </mc:AlternateContent>
+  <p:timing>
+    <p:tnLst>
+      <p:par>
+        <p:cTn id="1" dur="indefinite" restart="never" nodeType="tmRoot"/>
+      </p:par>
+    </p:tnLst>
+  </p:timing>
 </p:sld>
 </file>
 
-<file path=ppt/slides/slide12.xml><?xml version="1.0" encoding="utf-8"?>
+<file path=ppt/slides/slide13.xml><?xml version="1.0" encoding="utf-8"?>
+<p:sld xmlns:a="http://schemas.openxmlformats.org/drawingml/2006/main" xmlns:r="http://schemas.openxmlformats.org/officeDocument/2006/relationships" xmlns:p="http://schemas.openxmlformats.org/presentationml/2006/main">
+  <p:cSld>
+    <p:spTree>
+      <p:nvGrpSpPr>
+        <p:cNvPr id="1" name=""/>
+        <p:cNvGrpSpPr/>
+        <p:nvPr/>
+      </p:nvGrpSpPr>
+      <p:grpSpPr>
+        <a:xfrm>
+          <a:off x="0" y="0"/>
+          <a:ext cx="0" cy="0"/>
+          <a:chOff x="0" y="0"/>
+          <a:chExt cx="0" cy="0"/>
+        </a:xfrm>
+      </p:grpSpPr>
+      <p:sp>
+        <p:nvSpPr>
+          <p:cNvPr id="3" name="제목 2"/>
+          <p:cNvSpPr>
+            <a:spLocks noGrp="1"/>
+          </p:cNvSpPr>
+          <p:nvPr>
+            <p:ph type="title"/>
+          </p:nvPr>
+        </p:nvSpPr>
+        <p:spPr>
+          <a:xfrm>
+            <a:off x="1522876" y="609600"/>
+            <a:ext cx="9143538" cy="587152"/>
+          </a:xfrm>
+        </p:spPr>
+        <p:txBody>
+          <a:bodyPr rtlCol="0">
+            <a:normAutofit/>
+          </a:bodyPr>
+          <a:lstStyle/>
+          <a:p>
+            <a:pPr rtl="0"/>
+            <a:r>
+              <a:rPr lang="ko-KR" altLang="en-US" dirty="0" smtClean="0"/>
+              <a:t>나이 구간별 </a:t>
+            </a:r>
+            <a:r>
+              <a:rPr lang="ko-KR" altLang="en-US" dirty="0" smtClean="0"/>
+              <a:t>생존율 그래프</a:t>
+            </a:r>
+            <a:endParaRPr lang="ko-KR" altLang="en-US" dirty="0"/>
+          </a:p>
+        </p:txBody>
+      </p:sp>
+      <p:sp>
+        <p:nvSpPr>
+          <p:cNvPr id="2" name="내용 개체 틀 1"/>
+          <p:cNvSpPr>
+            <a:spLocks noGrp="1"/>
+          </p:cNvSpPr>
+          <p:nvPr>
+            <p:ph idx="1"/>
+          </p:nvPr>
+        </p:nvSpPr>
+        <p:spPr>
+          <a:xfrm>
+            <a:off x="6618254" y="1628800"/>
+            <a:ext cx="4660734" cy="3697465"/>
+          </a:xfrm>
+        </p:spPr>
+        <p:txBody>
+          <a:bodyPr anchor="ctr">
+            <a:normAutofit/>
+          </a:bodyPr>
+          <a:lstStyle/>
+          <a:p>
+            <a:r>
+              <a:rPr lang="ko-KR" altLang="en-US" sz="2000" dirty="0" smtClean="0"/>
+              <a:t>나이를 </a:t>
+            </a:r>
+            <a:r>
+              <a:rPr lang="en-US" altLang="ko-KR" sz="2000" dirty="0" smtClean="0"/>
+              <a:t>4</a:t>
+            </a:r>
+            <a:r>
+              <a:rPr lang="ko-KR" altLang="en-US" sz="2000" dirty="0" smtClean="0"/>
+              <a:t>분위 구간으로 나눔</a:t>
+            </a:r>
+            <a:endParaRPr lang="en-US" altLang="ko-KR" sz="2000" dirty="0" smtClean="0"/>
+          </a:p>
+          <a:p>
+            <a:r>
+              <a:rPr lang="ko-KR" altLang="en-US" sz="2000" dirty="0" smtClean="0"/>
+              <a:t>나이와 생존율의 관계가 클 것으로 예상했으나 크게 연관이 없는 것으로 나타남</a:t>
+            </a:r>
+            <a:endParaRPr lang="en-US" altLang="ko-KR" sz="2000" dirty="0" smtClean="0"/>
+          </a:p>
+          <a:p>
+            <a:pPr marL="0" indent="0">
+              <a:buNone/>
+            </a:pPr>
+            <a:endParaRPr lang="ko-KR" altLang="en-US" sz="2000" dirty="0"/>
+          </a:p>
+        </p:txBody>
+      </p:sp>
+      <p:pic>
+        <p:nvPicPr>
+          <p:cNvPr id="8" name="그림 7"/>
+          <p:cNvPicPr>
+            <a:picLocks noChangeAspect="1"/>
+          </p:cNvPicPr>
+          <p:nvPr/>
+        </p:nvPicPr>
+        <p:blipFill>
+          <a:blip r:embed="rId3"/>
+          <a:stretch>
+            <a:fillRect/>
+          </a:stretch>
+        </p:blipFill>
+        <p:spPr>
+          <a:xfrm>
+            <a:off x="837828" y="1628800"/>
+            <a:ext cx="4896544" cy="4121140"/>
+          </a:xfrm>
+          <a:prstGeom prst="rect">
+            <a:avLst/>
+          </a:prstGeom>
+        </p:spPr>
+      </p:pic>
+    </p:spTree>
+    <p:extLst>
+      <p:ext uri="{BB962C8B-B14F-4D97-AF65-F5344CB8AC3E}">
+        <p14:creationId xmlns:p14="http://schemas.microsoft.com/office/powerpoint/2010/main" val="1484001905"/>
+      </p:ext>
+    </p:extLst>
+  </p:cSld>
+  <p:clrMapOvr>
+    <a:masterClrMapping/>
+  </p:clrMapOvr>
+  <mc:AlternateContent xmlns:mc="http://schemas.openxmlformats.org/markup-compatibility/2006" xmlns:p14="http://schemas.microsoft.com/office/powerpoint/2010/main">
+    <mc:Choice Requires="p14">
+      <p:transition spd="med" p14:dur="700">
+        <p:fade/>
+      </p:transition>
+    </mc:Choice>
+    <mc:Fallback xmlns="">
+      <p:transition spd="med">
+        <p:fade/>
+      </p:transition>
+    </mc:Fallback>
+  </mc:AlternateContent>
+  <p:timing>
+    <p:tnLst>
+      <p:par>
+        <p:cTn id="1" dur="indefinite" restart="never" nodeType="tmRoot"/>
+      </p:par>
+    </p:tnLst>
+  </p:timing>
+</p:sld>
+</file>
+
+<file path=ppt/slides/slide14.xml><?xml version="1.0" encoding="utf-8"?>
 <p:sld xmlns:a="http://schemas.openxmlformats.org/drawingml/2006/main" xmlns:r="http://schemas.openxmlformats.org/officeDocument/2006/relationships" xmlns:p="http://schemas.openxmlformats.org/presentationml/2006/main">
   <p:cSld>
     <p:spTree>
@@ -17966,21 +18570,294 @@
             </a:r>
             <a:r>
               <a:rPr lang="ko-KR" altLang="en-US" dirty="0" smtClean="0"/>
-              <a:t> 객실 등급 생존율 그래프</a:t>
+              <a:t> 별 생존율 </a:t>
+            </a:r>
+            <a:r>
+              <a:rPr lang="ko-KR" altLang="en-US" dirty="0" smtClean="0"/>
+              <a:t>그래프</a:t>
             </a:r>
             <a:endParaRPr lang="ko-KR" altLang="en-US" dirty="0"/>
+          </a:p>
+        </p:txBody>
+      </p:sp>
+      <p:sp>
+        <p:nvSpPr>
+          <p:cNvPr id="7" name="내용 개체 틀 1"/>
+          <p:cNvSpPr txBox="1">
+            <a:spLocks/>
+          </p:cNvSpPr>
+          <p:nvPr/>
+        </p:nvSpPr>
+        <p:spPr>
+          <a:xfrm>
+            <a:off x="6618254" y="1628800"/>
+            <a:ext cx="4732742" cy="3697465"/>
+          </a:xfrm>
+          <a:prstGeom prst="rect">
+            <a:avLst/>
+          </a:prstGeom>
+        </p:spPr>
+        <p:txBody>
+          <a:bodyPr vert="horz" lIns="91440" tIns="45720" rIns="91440" bIns="45720" rtlCol="0" anchor="ctr">
+            <a:normAutofit/>
+          </a:bodyPr>
+          <a:lstStyle>
+            <a:lvl1pPr marL="274320" indent="-274320" algn="l" defTabSz="914400" rtl="0" eaLnBrk="1" latinLnBrk="1" hangingPunct="1">
+              <a:lnSpc>
+                <a:spcPct val="90000"/>
+              </a:lnSpc>
+              <a:spcBef>
+                <a:spcPts val="1800"/>
+              </a:spcBef>
+              <a:buClr>
+                <a:schemeClr val="tx1"/>
+              </a:buClr>
+              <a:buSzPct val="80000"/>
+              <a:buFont typeface="Wingdings" pitchFamily="2" charset="2"/>
+              <a:buChar char="§"/>
+              <a:defRPr sz="2400" kern="1200">
+                <a:solidFill>
+                  <a:schemeClr val="tx1"/>
+                </a:solidFill>
+                <a:latin typeface="맑은 고딕" panose="020B0503020000020004" pitchFamily="50" charset="-127"/>
+                <a:ea typeface="맑은 고딕" panose="020B0503020000020004" pitchFamily="50" charset="-127"/>
+                <a:cs typeface="+mn-cs"/>
+              </a:defRPr>
+            </a:lvl1pPr>
+            <a:lvl2pPr marL="548640" indent="-228600" algn="l" defTabSz="914400" rtl="0" eaLnBrk="1" latinLnBrk="1" hangingPunct="1">
+              <a:lnSpc>
+                <a:spcPct val="90000"/>
+              </a:lnSpc>
+              <a:spcBef>
+                <a:spcPts val="1000"/>
+              </a:spcBef>
+              <a:buClr>
+                <a:schemeClr val="tx1"/>
+              </a:buClr>
+              <a:buSzPct val="100000"/>
+              <a:buFont typeface="Arial" pitchFamily="34" charset="0"/>
+              <a:buChar char="–"/>
+              <a:defRPr sz="2000" kern="1200">
+                <a:solidFill>
+                  <a:schemeClr val="tx1"/>
+                </a:solidFill>
+                <a:latin typeface="맑은 고딕" panose="020B0503020000020004" pitchFamily="50" charset="-127"/>
+                <a:ea typeface="맑은 고딕" panose="020B0503020000020004" pitchFamily="50" charset="-127"/>
+                <a:cs typeface="+mn-cs"/>
+              </a:defRPr>
+            </a:lvl2pPr>
+            <a:lvl3pPr marL="822960" indent="-228600" algn="l" defTabSz="914400" rtl="0" eaLnBrk="1" latinLnBrk="1" hangingPunct="1">
+              <a:lnSpc>
+                <a:spcPct val="90000"/>
+              </a:lnSpc>
+              <a:spcBef>
+                <a:spcPts val="800"/>
+              </a:spcBef>
+              <a:buClr>
+                <a:schemeClr val="tx1"/>
+              </a:buClr>
+              <a:buSzPct val="80000"/>
+              <a:buFont typeface="Wingdings" pitchFamily="2" charset="2"/>
+              <a:buChar char="§"/>
+              <a:defRPr sz="1800" kern="1200">
+                <a:solidFill>
+                  <a:schemeClr val="tx1"/>
+                </a:solidFill>
+                <a:latin typeface="맑은 고딕" panose="020B0503020000020004" pitchFamily="50" charset="-127"/>
+                <a:ea typeface="맑은 고딕" panose="020B0503020000020004" pitchFamily="50" charset="-127"/>
+                <a:cs typeface="+mn-cs"/>
+              </a:defRPr>
+            </a:lvl3pPr>
+            <a:lvl4pPr marL="1097280" indent="-228600" algn="l" defTabSz="914400" rtl="0" eaLnBrk="1" latinLnBrk="1" hangingPunct="1">
+              <a:lnSpc>
+                <a:spcPct val="90000"/>
+              </a:lnSpc>
+              <a:spcBef>
+                <a:spcPts val="800"/>
+              </a:spcBef>
+              <a:buClr>
+                <a:schemeClr val="tx1"/>
+              </a:buClr>
+              <a:buSzPct val="100000"/>
+              <a:buFont typeface="Arial" pitchFamily="34" charset="0"/>
+              <a:buChar char="–"/>
+              <a:defRPr sz="1600" kern="1200">
+                <a:solidFill>
+                  <a:schemeClr val="tx1"/>
+                </a:solidFill>
+                <a:latin typeface="맑은 고딕" panose="020B0503020000020004" pitchFamily="50" charset="-127"/>
+                <a:ea typeface="맑은 고딕" panose="020B0503020000020004" pitchFamily="50" charset="-127"/>
+                <a:cs typeface="+mn-cs"/>
+              </a:defRPr>
+            </a:lvl4pPr>
+            <a:lvl5pPr marL="1325880" indent="-228600" algn="l" defTabSz="914400" rtl="0" eaLnBrk="1" latinLnBrk="1" hangingPunct="1">
+              <a:lnSpc>
+                <a:spcPct val="90000"/>
+              </a:lnSpc>
+              <a:spcBef>
+                <a:spcPts val="800"/>
+              </a:spcBef>
+              <a:buClr>
+                <a:schemeClr val="tx1"/>
+              </a:buClr>
+              <a:buSzPct val="80000"/>
+              <a:buFont typeface="Wingdings" pitchFamily="2" charset="2"/>
+              <a:buChar char="§"/>
+              <a:defRPr sz="1600" kern="1200">
+                <a:solidFill>
+                  <a:schemeClr val="tx1"/>
+                </a:solidFill>
+                <a:latin typeface="맑은 고딕" panose="020B0503020000020004" pitchFamily="50" charset="-127"/>
+                <a:ea typeface="맑은 고딕" panose="020B0503020000020004" pitchFamily="50" charset="-127"/>
+                <a:cs typeface="+mn-cs"/>
+              </a:defRPr>
+            </a:lvl5pPr>
+            <a:lvl6pPr marL="1554480" indent="-228600" algn="l" defTabSz="914400" rtl="0" eaLnBrk="1" latinLnBrk="1" hangingPunct="1">
+              <a:lnSpc>
+                <a:spcPct val="90000"/>
+              </a:lnSpc>
+              <a:spcBef>
+                <a:spcPts val="800"/>
+              </a:spcBef>
+              <a:buClr>
+                <a:schemeClr val="tx1"/>
+              </a:buClr>
+              <a:buSzPct val="100000"/>
+              <a:buFont typeface="Arial" pitchFamily="34" charset="0"/>
+              <a:buChar char="–"/>
+              <a:defRPr sz="1600" kern="1200">
+                <a:solidFill>
+                  <a:schemeClr val="tx1"/>
+                </a:solidFill>
+                <a:latin typeface="+mn-lt"/>
+                <a:ea typeface="+mn-ea"/>
+                <a:cs typeface="+mn-cs"/>
+              </a:defRPr>
+            </a:lvl6pPr>
+            <a:lvl7pPr marL="1783080" indent="-228600" algn="l" defTabSz="914400" rtl="0" eaLnBrk="1" latinLnBrk="1" hangingPunct="1">
+              <a:lnSpc>
+                <a:spcPct val="90000"/>
+              </a:lnSpc>
+              <a:spcBef>
+                <a:spcPts val="800"/>
+              </a:spcBef>
+              <a:buClr>
+                <a:schemeClr val="tx1"/>
+              </a:buClr>
+              <a:buSzPct val="80000"/>
+              <a:buFont typeface="Wingdings" pitchFamily="2" charset="2"/>
+              <a:buChar char="§"/>
+              <a:defRPr sz="1600" kern="1200">
+                <a:solidFill>
+                  <a:schemeClr val="tx1"/>
+                </a:solidFill>
+                <a:latin typeface="+mn-lt"/>
+                <a:ea typeface="+mn-ea"/>
+                <a:cs typeface="+mn-cs"/>
+              </a:defRPr>
+            </a:lvl7pPr>
+            <a:lvl8pPr marL="2011680" indent="-228600" algn="l" defTabSz="914400" rtl="0" eaLnBrk="1" latinLnBrk="1" hangingPunct="1">
+              <a:lnSpc>
+                <a:spcPct val="90000"/>
+              </a:lnSpc>
+              <a:spcBef>
+                <a:spcPts val="800"/>
+              </a:spcBef>
+              <a:buClr>
+                <a:schemeClr val="tx1"/>
+              </a:buClr>
+              <a:buSzPct val="100000"/>
+              <a:buFont typeface="Arial" pitchFamily="34" charset="0"/>
+              <a:buChar char="–"/>
+              <a:defRPr sz="1600" kern="1200">
+                <a:solidFill>
+                  <a:schemeClr val="tx1"/>
+                </a:solidFill>
+                <a:latin typeface="+mn-lt"/>
+                <a:ea typeface="+mn-ea"/>
+                <a:cs typeface="+mn-cs"/>
+              </a:defRPr>
+            </a:lvl8pPr>
+            <a:lvl9pPr marL="2240280" indent="-228600" algn="l" defTabSz="914400" rtl="0" eaLnBrk="1" latinLnBrk="1" hangingPunct="1">
+              <a:lnSpc>
+                <a:spcPct val="90000"/>
+              </a:lnSpc>
+              <a:spcBef>
+                <a:spcPts val="800"/>
+              </a:spcBef>
+              <a:buClr>
+                <a:schemeClr val="tx1"/>
+              </a:buClr>
+              <a:buSzPct val="80000"/>
+              <a:buFont typeface="Wingdings" pitchFamily="2" charset="2"/>
+              <a:buChar char="§"/>
+              <a:defRPr sz="1600" kern="1200">
+                <a:solidFill>
+                  <a:schemeClr val="tx1"/>
+                </a:solidFill>
+                <a:latin typeface="+mn-lt"/>
+                <a:ea typeface="+mn-ea"/>
+                <a:cs typeface="+mn-cs"/>
+              </a:defRPr>
+            </a:lvl9pPr>
+          </a:lstStyle>
+          <a:p>
+            <a:r>
+              <a:rPr lang="ko-KR" altLang="en-US" sz="2000" dirty="0" err="1" smtClean="0"/>
+              <a:t>승선지</a:t>
+            </a:r>
+            <a:r>
+              <a:rPr lang="ko-KR" altLang="en-US" sz="2000" dirty="0" smtClean="0"/>
+              <a:t> 별 생존율의 차이가 약간 있음</a:t>
+            </a:r>
+            <a:endParaRPr lang="en-US" altLang="ko-KR" sz="2000" dirty="0" smtClean="0"/>
+          </a:p>
+          <a:p>
+            <a:r>
+              <a:rPr lang="ko-KR" altLang="en-US" sz="2000" dirty="0" smtClean="0"/>
+              <a:t>그러나</a:t>
+            </a:r>
+            <a:r>
+              <a:rPr lang="en-US" altLang="ko-KR" sz="2000" dirty="0" smtClean="0"/>
+              <a:t>, </a:t>
+            </a:r>
+            <a:r>
+              <a:rPr lang="ko-KR" altLang="en-US" sz="2000" dirty="0" smtClean="0"/>
+              <a:t>대부분의 </a:t>
+            </a:r>
+            <a:r>
+              <a:rPr lang="ko-KR" altLang="en-US" sz="2000" dirty="0" err="1" smtClean="0"/>
+              <a:t>승선지가</a:t>
+            </a:r>
+            <a:r>
+              <a:rPr lang="ko-KR" altLang="en-US" sz="2000" dirty="0" smtClean="0"/>
+              <a:t> </a:t>
+            </a:r>
+            <a:r>
+              <a:rPr lang="en-US" altLang="ko-KR" sz="2000" dirty="0" err="1" smtClean="0"/>
+              <a:t>Southamton</a:t>
+            </a:r>
+            <a:r>
+              <a:rPr lang="ko-KR" altLang="en-US" sz="2000" dirty="0" smtClean="0"/>
+              <a:t>으로 파악됨</a:t>
+            </a:r>
+            <a:endParaRPr lang="en-US" altLang="ko-KR" sz="2000" dirty="0" smtClean="0"/>
+          </a:p>
+          <a:p>
+            <a:endParaRPr lang="en-US" altLang="ko-KR" sz="2000" dirty="0"/>
+          </a:p>
+          <a:p>
+            <a:endParaRPr lang="ko-KR" altLang="en-US" sz="2000" dirty="0"/>
           </a:p>
         </p:txBody>
       </p:sp>
       <p:pic>
         <p:nvPicPr>
-          <p:cNvPr id="5" name="내용 개체 틀 3"/>
+          <p:cNvPr id="4" name="그림 3"/>
           <p:cNvPicPr>
-            <a:picLocks noGrp="1" noChangeAspect="1"/>
+            <a:picLocks noChangeAspect="1"/>
           </p:cNvPicPr>
-          <p:nvPr>
-            <p:ph idx="1"/>
-          </p:nvPr>
+          <p:nvPr/>
         </p:nvPicPr>
         <p:blipFill>
           <a:blip r:embed="rId3"/>
@@ -17990,8 +18867,8 @@
         </p:blipFill>
         <p:spPr>
           <a:xfrm>
-            <a:off x="840384" y="1627323"/>
-            <a:ext cx="4749972" cy="4069421"/>
+            <a:off x="1053852" y="1628800"/>
+            <a:ext cx="4896544" cy="4136484"/>
           </a:xfrm>
           <a:prstGeom prst="rect">
             <a:avLst/>
@@ -18000,7 +18877,7 @@
       </p:pic>
       <p:pic>
         <p:nvPicPr>
-          <p:cNvPr id="6" name="그림 5"/>
+          <p:cNvPr id="8" name="그림 7"/>
           <p:cNvPicPr>
             <a:picLocks noChangeAspect="1"/>
           </p:cNvPicPr>
@@ -18014,8 +18891,8 @@
         </p:blipFill>
         <p:spPr>
           <a:xfrm>
-            <a:off x="6022404" y="1621718"/>
-            <a:ext cx="4896544" cy="4078062"/>
+            <a:off x="6886500" y="3645024"/>
+            <a:ext cx="4725834" cy="2469355"/>
           </a:xfrm>
           <a:prstGeom prst="rect">
             <a:avLst/>
@@ -18044,10 +18921,17 @@
       </p:transition>
     </mc:Fallback>
   </mc:AlternateContent>
+  <p:timing>
+    <p:tnLst>
+      <p:par>
+        <p:cTn id="1" dur="indefinite" restart="never" nodeType="tmRoot"/>
+      </p:par>
+    </p:tnLst>
+  </p:timing>
 </p:sld>
 </file>
 
-<file path=ppt/slides/slide13.xml><?xml version="1.0" encoding="utf-8"?>
+<file path=ppt/slides/slide15.xml><?xml version="1.0" encoding="utf-8"?>
 <p:sld xmlns:a="http://schemas.openxmlformats.org/drawingml/2006/main" xmlns:r="http://schemas.openxmlformats.org/officeDocument/2006/relationships" xmlns:p="http://schemas.openxmlformats.org/presentationml/2006/main">
   <p:cSld>
     <p:spTree>
@@ -18089,6 +18973,351 @@
             <a:pPr rtl="0"/>
             <a:r>
               <a:rPr lang="ko-KR" altLang="en-US" dirty="0" smtClean="0"/>
+              <a:t>객실 등급 별 생존율 </a:t>
+            </a:r>
+            <a:r>
+              <a:rPr lang="ko-KR" altLang="en-US" dirty="0" smtClean="0"/>
+              <a:t>그래프</a:t>
+            </a:r>
+            <a:endParaRPr lang="ko-KR" altLang="en-US" dirty="0"/>
+          </a:p>
+        </p:txBody>
+      </p:sp>
+      <p:pic>
+        <p:nvPicPr>
+          <p:cNvPr id="6" name="그림 5"/>
+          <p:cNvPicPr>
+            <a:picLocks noChangeAspect="1"/>
+          </p:cNvPicPr>
+          <p:nvPr/>
+        </p:nvPicPr>
+        <p:blipFill>
+          <a:blip r:embed="rId3"/>
+          <a:stretch>
+            <a:fillRect/>
+          </a:stretch>
+        </p:blipFill>
+        <p:spPr>
+          <a:xfrm>
+            <a:off x="1211979" y="1524403"/>
+            <a:ext cx="4896544" cy="4078062"/>
+          </a:xfrm>
+          <a:prstGeom prst="rect">
+            <a:avLst/>
+          </a:prstGeom>
+        </p:spPr>
+      </p:pic>
+      <p:sp>
+        <p:nvSpPr>
+          <p:cNvPr id="7" name="내용 개체 틀 1"/>
+          <p:cNvSpPr txBox="1">
+            <a:spLocks/>
+          </p:cNvSpPr>
+          <p:nvPr/>
+        </p:nvSpPr>
+        <p:spPr>
+          <a:xfrm>
+            <a:off x="6618254" y="1628800"/>
+            <a:ext cx="4732742" cy="3697465"/>
+          </a:xfrm>
+          <a:prstGeom prst="rect">
+            <a:avLst/>
+          </a:prstGeom>
+        </p:spPr>
+        <p:txBody>
+          <a:bodyPr vert="horz" lIns="91440" tIns="45720" rIns="91440" bIns="45720" rtlCol="0" anchor="ctr">
+            <a:normAutofit/>
+          </a:bodyPr>
+          <a:lstStyle>
+            <a:lvl1pPr marL="274320" indent="-274320" algn="l" defTabSz="914400" rtl="0" eaLnBrk="1" latinLnBrk="1" hangingPunct="1">
+              <a:lnSpc>
+                <a:spcPct val="90000"/>
+              </a:lnSpc>
+              <a:spcBef>
+                <a:spcPts val="1800"/>
+              </a:spcBef>
+              <a:buClr>
+                <a:schemeClr val="tx1"/>
+              </a:buClr>
+              <a:buSzPct val="80000"/>
+              <a:buFont typeface="Wingdings" pitchFamily="2" charset="2"/>
+              <a:buChar char="§"/>
+              <a:defRPr sz="2400" kern="1200">
+                <a:solidFill>
+                  <a:schemeClr val="tx1"/>
+                </a:solidFill>
+                <a:latin typeface="맑은 고딕" panose="020B0503020000020004" pitchFamily="50" charset="-127"/>
+                <a:ea typeface="맑은 고딕" panose="020B0503020000020004" pitchFamily="50" charset="-127"/>
+                <a:cs typeface="+mn-cs"/>
+              </a:defRPr>
+            </a:lvl1pPr>
+            <a:lvl2pPr marL="548640" indent="-228600" algn="l" defTabSz="914400" rtl="0" eaLnBrk="1" latinLnBrk="1" hangingPunct="1">
+              <a:lnSpc>
+                <a:spcPct val="90000"/>
+              </a:lnSpc>
+              <a:spcBef>
+                <a:spcPts val="1000"/>
+              </a:spcBef>
+              <a:buClr>
+                <a:schemeClr val="tx1"/>
+              </a:buClr>
+              <a:buSzPct val="100000"/>
+              <a:buFont typeface="Arial" pitchFamily="34" charset="0"/>
+              <a:buChar char="–"/>
+              <a:defRPr sz="2000" kern="1200">
+                <a:solidFill>
+                  <a:schemeClr val="tx1"/>
+                </a:solidFill>
+                <a:latin typeface="맑은 고딕" panose="020B0503020000020004" pitchFamily="50" charset="-127"/>
+                <a:ea typeface="맑은 고딕" panose="020B0503020000020004" pitchFamily="50" charset="-127"/>
+                <a:cs typeface="+mn-cs"/>
+              </a:defRPr>
+            </a:lvl2pPr>
+            <a:lvl3pPr marL="822960" indent="-228600" algn="l" defTabSz="914400" rtl="0" eaLnBrk="1" latinLnBrk="1" hangingPunct="1">
+              <a:lnSpc>
+                <a:spcPct val="90000"/>
+              </a:lnSpc>
+              <a:spcBef>
+                <a:spcPts val="800"/>
+              </a:spcBef>
+              <a:buClr>
+                <a:schemeClr val="tx1"/>
+              </a:buClr>
+              <a:buSzPct val="80000"/>
+              <a:buFont typeface="Wingdings" pitchFamily="2" charset="2"/>
+              <a:buChar char="§"/>
+              <a:defRPr sz="1800" kern="1200">
+                <a:solidFill>
+                  <a:schemeClr val="tx1"/>
+                </a:solidFill>
+                <a:latin typeface="맑은 고딕" panose="020B0503020000020004" pitchFamily="50" charset="-127"/>
+                <a:ea typeface="맑은 고딕" panose="020B0503020000020004" pitchFamily="50" charset="-127"/>
+                <a:cs typeface="+mn-cs"/>
+              </a:defRPr>
+            </a:lvl3pPr>
+            <a:lvl4pPr marL="1097280" indent="-228600" algn="l" defTabSz="914400" rtl="0" eaLnBrk="1" latinLnBrk="1" hangingPunct="1">
+              <a:lnSpc>
+                <a:spcPct val="90000"/>
+              </a:lnSpc>
+              <a:spcBef>
+                <a:spcPts val="800"/>
+              </a:spcBef>
+              <a:buClr>
+                <a:schemeClr val="tx1"/>
+              </a:buClr>
+              <a:buSzPct val="100000"/>
+              <a:buFont typeface="Arial" pitchFamily="34" charset="0"/>
+              <a:buChar char="–"/>
+              <a:defRPr sz="1600" kern="1200">
+                <a:solidFill>
+                  <a:schemeClr val="tx1"/>
+                </a:solidFill>
+                <a:latin typeface="맑은 고딕" panose="020B0503020000020004" pitchFamily="50" charset="-127"/>
+                <a:ea typeface="맑은 고딕" panose="020B0503020000020004" pitchFamily="50" charset="-127"/>
+                <a:cs typeface="+mn-cs"/>
+              </a:defRPr>
+            </a:lvl4pPr>
+            <a:lvl5pPr marL="1325880" indent="-228600" algn="l" defTabSz="914400" rtl="0" eaLnBrk="1" latinLnBrk="1" hangingPunct="1">
+              <a:lnSpc>
+                <a:spcPct val="90000"/>
+              </a:lnSpc>
+              <a:spcBef>
+                <a:spcPts val="800"/>
+              </a:spcBef>
+              <a:buClr>
+                <a:schemeClr val="tx1"/>
+              </a:buClr>
+              <a:buSzPct val="80000"/>
+              <a:buFont typeface="Wingdings" pitchFamily="2" charset="2"/>
+              <a:buChar char="§"/>
+              <a:defRPr sz="1600" kern="1200">
+                <a:solidFill>
+                  <a:schemeClr val="tx1"/>
+                </a:solidFill>
+                <a:latin typeface="맑은 고딕" panose="020B0503020000020004" pitchFamily="50" charset="-127"/>
+                <a:ea typeface="맑은 고딕" panose="020B0503020000020004" pitchFamily="50" charset="-127"/>
+                <a:cs typeface="+mn-cs"/>
+              </a:defRPr>
+            </a:lvl5pPr>
+            <a:lvl6pPr marL="1554480" indent="-228600" algn="l" defTabSz="914400" rtl="0" eaLnBrk="1" latinLnBrk="1" hangingPunct="1">
+              <a:lnSpc>
+                <a:spcPct val="90000"/>
+              </a:lnSpc>
+              <a:spcBef>
+                <a:spcPts val="800"/>
+              </a:spcBef>
+              <a:buClr>
+                <a:schemeClr val="tx1"/>
+              </a:buClr>
+              <a:buSzPct val="100000"/>
+              <a:buFont typeface="Arial" pitchFamily="34" charset="0"/>
+              <a:buChar char="–"/>
+              <a:defRPr sz="1600" kern="1200">
+                <a:solidFill>
+                  <a:schemeClr val="tx1"/>
+                </a:solidFill>
+                <a:latin typeface="+mn-lt"/>
+                <a:ea typeface="+mn-ea"/>
+                <a:cs typeface="+mn-cs"/>
+              </a:defRPr>
+            </a:lvl6pPr>
+            <a:lvl7pPr marL="1783080" indent="-228600" algn="l" defTabSz="914400" rtl="0" eaLnBrk="1" latinLnBrk="1" hangingPunct="1">
+              <a:lnSpc>
+                <a:spcPct val="90000"/>
+              </a:lnSpc>
+              <a:spcBef>
+                <a:spcPts val="800"/>
+              </a:spcBef>
+              <a:buClr>
+                <a:schemeClr val="tx1"/>
+              </a:buClr>
+              <a:buSzPct val="80000"/>
+              <a:buFont typeface="Wingdings" pitchFamily="2" charset="2"/>
+              <a:buChar char="§"/>
+              <a:defRPr sz="1600" kern="1200">
+                <a:solidFill>
+                  <a:schemeClr val="tx1"/>
+                </a:solidFill>
+                <a:latin typeface="+mn-lt"/>
+                <a:ea typeface="+mn-ea"/>
+                <a:cs typeface="+mn-cs"/>
+              </a:defRPr>
+            </a:lvl7pPr>
+            <a:lvl8pPr marL="2011680" indent="-228600" algn="l" defTabSz="914400" rtl="0" eaLnBrk="1" latinLnBrk="1" hangingPunct="1">
+              <a:lnSpc>
+                <a:spcPct val="90000"/>
+              </a:lnSpc>
+              <a:spcBef>
+                <a:spcPts val="800"/>
+              </a:spcBef>
+              <a:buClr>
+                <a:schemeClr val="tx1"/>
+              </a:buClr>
+              <a:buSzPct val="100000"/>
+              <a:buFont typeface="Arial" pitchFamily="34" charset="0"/>
+              <a:buChar char="–"/>
+              <a:defRPr sz="1600" kern="1200">
+                <a:solidFill>
+                  <a:schemeClr val="tx1"/>
+                </a:solidFill>
+                <a:latin typeface="+mn-lt"/>
+                <a:ea typeface="+mn-ea"/>
+                <a:cs typeface="+mn-cs"/>
+              </a:defRPr>
+            </a:lvl8pPr>
+            <a:lvl9pPr marL="2240280" indent="-228600" algn="l" defTabSz="914400" rtl="0" eaLnBrk="1" latinLnBrk="1" hangingPunct="1">
+              <a:lnSpc>
+                <a:spcPct val="90000"/>
+              </a:lnSpc>
+              <a:spcBef>
+                <a:spcPts val="800"/>
+              </a:spcBef>
+              <a:buClr>
+                <a:schemeClr val="tx1"/>
+              </a:buClr>
+              <a:buSzPct val="80000"/>
+              <a:buFont typeface="Wingdings" pitchFamily="2" charset="2"/>
+              <a:buChar char="§"/>
+              <a:defRPr sz="1600" kern="1200">
+                <a:solidFill>
+                  <a:schemeClr val="tx1"/>
+                </a:solidFill>
+                <a:latin typeface="+mn-lt"/>
+                <a:ea typeface="+mn-ea"/>
+                <a:cs typeface="+mn-cs"/>
+              </a:defRPr>
+            </a:lvl9pPr>
+          </a:lstStyle>
+          <a:p>
+            <a:r>
+              <a:rPr lang="ko-KR" altLang="en-US" sz="2000" dirty="0" smtClean="0"/>
+              <a:t>등급이 높을수록 생존율이 높아짐</a:t>
+            </a:r>
+            <a:endParaRPr lang="en-US" altLang="ko-KR" sz="2000" dirty="0" smtClean="0"/>
+          </a:p>
+          <a:p>
+            <a:r>
+              <a:rPr lang="ko-KR" altLang="en-US" sz="2000" dirty="0" smtClean="0"/>
+              <a:t>객실의 위치가 등급별로 달라서 생존율에 영향을 미쳤을 것으로 예상</a:t>
+            </a:r>
+            <a:endParaRPr lang="ko-KR" altLang="en-US" sz="2000" dirty="0"/>
+          </a:p>
+        </p:txBody>
+      </p:sp>
+    </p:spTree>
+    <p:extLst>
+      <p:ext uri="{BB962C8B-B14F-4D97-AF65-F5344CB8AC3E}">
+        <p14:creationId xmlns:p14="http://schemas.microsoft.com/office/powerpoint/2010/main" val="627303051"/>
+      </p:ext>
+    </p:extLst>
+  </p:cSld>
+  <p:clrMapOvr>
+    <a:masterClrMapping/>
+  </p:clrMapOvr>
+  <mc:AlternateContent xmlns:mc="http://schemas.openxmlformats.org/markup-compatibility/2006" xmlns:p14="http://schemas.microsoft.com/office/powerpoint/2010/main">
+    <mc:Choice Requires="p14">
+      <p:transition spd="med" p14:dur="700">
+        <p:fade/>
+      </p:transition>
+    </mc:Choice>
+    <mc:Fallback xmlns="">
+      <p:transition spd="med">
+        <p:fade/>
+      </p:transition>
+    </mc:Fallback>
+  </mc:AlternateContent>
+  <p:timing>
+    <p:tnLst>
+      <p:par>
+        <p:cTn id="1" dur="indefinite" restart="never" nodeType="tmRoot"/>
+      </p:par>
+    </p:tnLst>
+  </p:timing>
+</p:sld>
+</file>
+
+<file path=ppt/slides/slide16.xml><?xml version="1.0" encoding="utf-8"?>
+<p:sld xmlns:a="http://schemas.openxmlformats.org/drawingml/2006/main" xmlns:r="http://schemas.openxmlformats.org/officeDocument/2006/relationships" xmlns:p="http://schemas.openxmlformats.org/presentationml/2006/main">
+  <p:cSld>
+    <p:spTree>
+      <p:nvGrpSpPr>
+        <p:cNvPr id="1" name=""/>
+        <p:cNvGrpSpPr/>
+        <p:nvPr/>
+      </p:nvGrpSpPr>
+      <p:grpSpPr>
+        <a:xfrm>
+          <a:off x="0" y="0"/>
+          <a:ext cx="0" cy="0"/>
+          <a:chOff x="0" y="0"/>
+          <a:chExt cx="0" cy="0"/>
+        </a:xfrm>
+      </p:grpSpPr>
+      <p:sp>
+        <p:nvSpPr>
+          <p:cNvPr id="3" name="제목 2"/>
+          <p:cNvSpPr>
+            <a:spLocks noGrp="1"/>
+          </p:cNvSpPr>
+          <p:nvPr>
+            <p:ph type="title"/>
+          </p:nvPr>
+        </p:nvSpPr>
+        <p:spPr>
+          <a:xfrm>
+            <a:off x="1522876" y="609600"/>
+            <a:ext cx="9143538" cy="515144"/>
+          </a:xfrm>
+        </p:spPr>
+        <p:txBody>
+          <a:bodyPr rtlCol="0">
+            <a:normAutofit fontScale="90000"/>
+          </a:bodyPr>
+          <a:lstStyle/>
+          <a:p>
+            <a:pPr rtl="0"/>
+            <a:r>
+              <a:rPr lang="ko-KR" altLang="en-US" dirty="0" smtClean="0"/>
               <a:t>동승자 생존율 그래프</a:t>
             </a:r>
             <a:endParaRPr lang="ko-KR" altLang="en-US" dirty="0"/>
@@ -18111,8 +19340,8 @@
         </p:blipFill>
         <p:spPr>
           <a:xfrm>
-            <a:off x="840383" y="1620240"/>
-            <a:ext cx="4766471" cy="4079539"/>
+            <a:off x="1919329" y="1124744"/>
+            <a:ext cx="2949773" cy="2524659"/>
           </a:xfrm>
           <a:prstGeom prst="rect">
             <a:avLst/>
@@ -18135,14 +19364,262 @@
         </p:blipFill>
         <p:spPr>
           <a:xfrm>
-            <a:off x="5950396" y="1620239"/>
-            <a:ext cx="4577700" cy="4079539"/>
+            <a:off x="1919329" y="3621674"/>
+            <a:ext cx="2949980" cy="2628952"/>
           </a:xfrm>
           <a:prstGeom prst="rect">
             <a:avLst/>
           </a:prstGeom>
         </p:spPr>
       </p:pic>
+      <p:sp>
+        <p:nvSpPr>
+          <p:cNvPr id="5" name="내용 개체 틀 1"/>
+          <p:cNvSpPr txBox="1">
+            <a:spLocks/>
+          </p:cNvSpPr>
+          <p:nvPr/>
+        </p:nvSpPr>
+        <p:spPr>
+          <a:xfrm>
+            <a:off x="5662364" y="1556792"/>
+            <a:ext cx="5112568" cy="3697465"/>
+          </a:xfrm>
+          <a:prstGeom prst="rect">
+            <a:avLst/>
+          </a:prstGeom>
+        </p:spPr>
+        <p:txBody>
+          <a:bodyPr vert="horz" lIns="91440" tIns="45720" rIns="91440" bIns="45720" rtlCol="0" anchor="ctr">
+            <a:normAutofit/>
+          </a:bodyPr>
+          <a:lstStyle>
+            <a:lvl1pPr marL="274320" indent="-274320" algn="l" defTabSz="914400" rtl="0" eaLnBrk="1" latinLnBrk="1" hangingPunct="1">
+              <a:lnSpc>
+                <a:spcPct val="90000"/>
+              </a:lnSpc>
+              <a:spcBef>
+                <a:spcPts val="1800"/>
+              </a:spcBef>
+              <a:buClr>
+                <a:schemeClr val="tx1"/>
+              </a:buClr>
+              <a:buSzPct val="80000"/>
+              <a:buFont typeface="Wingdings" pitchFamily="2" charset="2"/>
+              <a:buChar char="§"/>
+              <a:defRPr sz="2400" kern="1200">
+                <a:solidFill>
+                  <a:schemeClr val="tx1"/>
+                </a:solidFill>
+                <a:latin typeface="맑은 고딕" panose="020B0503020000020004" pitchFamily="50" charset="-127"/>
+                <a:ea typeface="맑은 고딕" panose="020B0503020000020004" pitchFamily="50" charset="-127"/>
+                <a:cs typeface="+mn-cs"/>
+              </a:defRPr>
+            </a:lvl1pPr>
+            <a:lvl2pPr marL="548640" indent="-228600" algn="l" defTabSz="914400" rtl="0" eaLnBrk="1" latinLnBrk="1" hangingPunct="1">
+              <a:lnSpc>
+                <a:spcPct val="90000"/>
+              </a:lnSpc>
+              <a:spcBef>
+                <a:spcPts val="1000"/>
+              </a:spcBef>
+              <a:buClr>
+                <a:schemeClr val="tx1"/>
+              </a:buClr>
+              <a:buSzPct val="100000"/>
+              <a:buFont typeface="Arial" pitchFamily="34" charset="0"/>
+              <a:buChar char="–"/>
+              <a:defRPr sz="2000" kern="1200">
+                <a:solidFill>
+                  <a:schemeClr val="tx1"/>
+                </a:solidFill>
+                <a:latin typeface="맑은 고딕" panose="020B0503020000020004" pitchFamily="50" charset="-127"/>
+                <a:ea typeface="맑은 고딕" panose="020B0503020000020004" pitchFamily="50" charset="-127"/>
+                <a:cs typeface="+mn-cs"/>
+              </a:defRPr>
+            </a:lvl2pPr>
+            <a:lvl3pPr marL="822960" indent="-228600" algn="l" defTabSz="914400" rtl="0" eaLnBrk="1" latinLnBrk="1" hangingPunct="1">
+              <a:lnSpc>
+                <a:spcPct val="90000"/>
+              </a:lnSpc>
+              <a:spcBef>
+                <a:spcPts val="800"/>
+              </a:spcBef>
+              <a:buClr>
+                <a:schemeClr val="tx1"/>
+              </a:buClr>
+              <a:buSzPct val="80000"/>
+              <a:buFont typeface="Wingdings" pitchFamily="2" charset="2"/>
+              <a:buChar char="§"/>
+              <a:defRPr sz="1800" kern="1200">
+                <a:solidFill>
+                  <a:schemeClr val="tx1"/>
+                </a:solidFill>
+                <a:latin typeface="맑은 고딕" panose="020B0503020000020004" pitchFamily="50" charset="-127"/>
+                <a:ea typeface="맑은 고딕" panose="020B0503020000020004" pitchFamily="50" charset="-127"/>
+                <a:cs typeface="+mn-cs"/>
+              </a:defRPr>
+            </a:lvl3pPr>
+            <a:lvl4pPr marL="1097280" indent="-228600" algn="l" defTabSz="914400" rtl="0" eaLnBrk="1" latinLnBrk="1" hangingPunct="1">
+              <a:lnSpc>
+                <a:spcPct val="90000"/>
+              </a:lnSpc>
+              <a:spcBef>
+                <a:spcPts val="800"/>
+              </a:spcBef>
+              <a:buClr>
+                <a:schemeClr val="tx1"/>
+              </a:buClr>
+              <a:buSzPct val="100000"/>
+              <a:buFont typeface="Arial" pitchFamily="34" charset="0"/>
+              <a:buChar char="–"/>
+              <a:defRPr sz="1600" kern="1200">
+                <a:solidFill>
+                  <a:schemeClr val="tx1"/>
+                </a:solidFill>
+                <a:latin typeface="맑은 고딕" panose="020B0503020000020004" pitchFamily="50" charset="-127"/>
+                <a:ea typeface="맑은 고딕" panose="020B0503020000020004" pitchFamily="50" charset="-127"/>
+                <a:cs typeface="+mn-cs"/>
+              </a:defRPr>
+            </a:lvl4pPr>
+            <a:lvl5pPr marL="1325880" indent="-228600" algn="l" defTabSz="914400" rtl="0" eaLnBrk="1" latinLnBrk="1" hangingPunct="1">
+              <a:lnSpc>
+                <a:spcPct val="90000"/>
+              </a:lnSpc>
+              <a:spcBef>
+                <a:spcPts val="800"/>
+              </a:spcBef>
+              <a:buClr>
+                <a:schemeClr val="tx1"/>
+              </a:buClr>
+              <a:buSzPct val="80000"/>
+              <a:buFont typeface="Wingdings" pitchFamily="2" charset="2"/>
+              <a:buChar char="§"/>
+              <a:defRPr sz="1600" kern="1200">
+                <a:solidFill>
+                  <a:schemeClr val="tx1"/>
+                </a:solidFill>
+                <a:latin typeface="맑은 고딕" panose="020B0503020000020004" pitchFamily="50" charset="-127"/>
+                <a:ea typeface="맑은 고딕" panose="020B0503020000020004" pitchFamily="50" charset="-127"/>
+                <a:cs typeface="+mn-cs"/>
+              </a:defRPr>
+            </a:lvl5pPr>
+            <a:lvl6pPr marL="1554480" indent="-228600" algn="l" defTabSz="914400" rtl="0" eaLnBrk="1" latinLnBrk="1" hangingPunct="1">
+              <a:lnSpc>
+                <a:spcPct val="90000"/>
+              </a:lnSpc>
+              <a:spcBef>
+                <a:spcPts val="800"/>
+              </a:spcBef>
+              <a:buClr>
+                <a:schemeClr val="tx1"/>
+              </a:buClr>
+              <a:buSzPct val="100000"/>
+              <a:buFont typeface="Arial" pitchFamily="34" charset="0"/>
+              <a:buChar char="–"/>
+              <a:defRPr sz="1600" kern="1200">
+                <a:solidFill>
+                  <a:schemeClr val="tx1"/>
+                </a:solidFill>
+                <a:latin typeface="+mn-lt"/>
+                <a:ea typeface="+mn-ea"/>
+                <a:cs typeface="+mn-cs"/>
+              </a:defRPr>
+            </a:lvl6pPr>
+            <a:lvl7pPr marL="1783080" indent="-228600" algn="l" defTabSz="914400" rtl="0" eaLnBrk="1" latinLnBrk="1" hangingPunct="1">
+              <a:lnSpc>
+                <a:spcPct val="90000"/>
+              </a:lnSpc>
+              <a:spcBef>
+                <a:spcPts val="800"/>
+              </a:spcBef>
+              <a:buClr>
+                <a:schemeClr val="tx1"/>
+              </a:buClr>
+              <a:buSzPct val="80000"/>
+              <a:buFont typeface="Wingdings" pitchFamily="2" charset="2"/>
+              <a:buChar char="§"/>
+              <a:defRPr sz="1600" kern="1200">
+                <a:solidFill>
+                  <a:schemeClr val="tx1"/>
+                </a:solidFill>
+                <a:latin typeface="+mn-lt"/>
+                <a:ea typeface="+mn-ea"/>
+                <a:cs typeface="+mn-cs"/>
+              </a:defRPr>
+            </a:lvl7pPr>
+            <a:lvl8pPr marL="2011680" indent="-228600" algn="l" defTabSz="914400" rtl="0" eaLnBrk="1" latinLnBrk="1" hangingPunct="1">
+              <a:lnSpc>
+                <a:spcPct val="90000"/>
+              </a:lnSpc>
+              <a:spcBef>
+                <a:spcPts val="800"/>
+              </a:spcBef>
+              <a:buClr>
+                <a:schemeClr val="tx1"/>
+              </a:buClr>
+              <a:buSzPct val="100000"/>
+              <a:buFont typeface="Arial" pitchFamily="34" charset="0"/>
+              <a:buChar char="–"/>
+              <a:defRPr sz="1600" kern="1200">
+                <a:solidFill>
+                  <a:schemeClr val="tx1"/>
+                </a:solidFill>
+                <a:latin typeface="+mn-lt"/>
+                <a:ea typeface="+mn-ea"/>
+                <a:cs typeface="+mn-cs"/>
+              </a:defRPr>
+            </a:lvl8pPr>
+            <a:lvl9pPr marL="2240280" indent="-228600" algn="l" defTabSz="914400" rtl="0" eaLnBrk="1" latinLnBrk="1" hangingPunct="1">
+              <a:lnSpc>
+                <a:spcPct val="90000"/>
+              </a:lnSpc>
+              <a:spcBef>
+                <a:spcPts val="800"/>
+              </a:spcBef>
+              <a:buClr>
+                <a:schemeClr val="tx1"/>
+              </a:buClr>
+              <a:buSzPct val="80000"/>
+              <a:buFont typeface="Wingdings" pitchFamily="2" charset="2"/>
+              <a:buChar char="§"/>
+              <a:defRPr sz="1600" kern="1200">
+                <a:solidFill>
+                  <a:schemeClr val="tx1"/>
+                </a:solidFill>
+                <a:latin typeface="+mn-lt"/>
+                <a:ea typeface="+mn-ea"/>
+                <a:cs typeface="+mn-cs"/>
+              </a:defRPr>
+            </a:lvl9pPr>
+          </a:lstStyle>
+          <a:p>
+            <a:r>
+              <a:rPr lang="ko-KR" altLang="en-US" sz="2000" dirty="0" smtClean="0"/>
+              <a:t>동승자가 있는 사람들의 생존율이 높음</a:t>
+            </a:r>
+            <a:endParaRPr lang="en-US" altLang="ko-KR" sz="2000" dirty="0" smtClean="0"/>
+          </a:p>
+          <a:p>
+            <a:r>
+              <a:rPr lang="en-US" altLang="ko-KR" sz="2000" dirty="0" smtClean="0"/>
+              <a:t>5</a:t>
+            </a:r>
+            <a:r>
+              <a:rPr lang="ko-KR" altLang="en-US" sz="2000" dirty="0" smtClean="0"/>
+              <a:t>명이 넘어가면 오히려 생존율이 급감함</a:t>
+            </a:r>
+            <a:endParaRPr lang="en-US" altLang="ko-KR" sz="2000" dirty="0" smtClean="0"/>
+          </a:p>
+          <a:p>
+            <a:r>
+              <a:rPr lang="ko-KR" altLang="en-US" sz="2000" dirty="0" smtClean="0"/>
+              <a:t>동승자 여부가 생존율에 영향이 있을 것으로 예상</a:t>
+            </a:r>
+            <a:endParaRPr lang="en-US" altLang="ko-KR" sz="2000" dirty="0" smtClean="0"/>
+          </a:p>
+        </p:txBody>
+      </p:sp>
     </p:spTree>
     <p:extLst>
       <p:ext uri="{BB962C8B-B14F-4D97-AF65-F5344CB8AC3E}">
@@ -18165,10 +19642,17 @@
       </p:transition>
     </mc:Fallback>
   </mc:AlternateContent>
+  <p:timing>
+    <p:tnLst>
+      <p:par>
+        <p:cTn id="1" dur="indefinite" restart="never" nodeType="tmRoot"/>
+      </p:par>
+    </p:tnLst>
+  </p:timing>
 </p:sld>
 </file>
 
-<file path=ppt/slides/slide14.xml><?xml version="1.0" encoding="utf-8"?>
+<file path=ppt/slides/slide17.xml><?xml version="1.0" encoding="utf-8"?>
 <p:sld xmlns:a="http://schemas.openxmlformats.org/drawingml/2006/main" xmlns:r="http://schemas.openxmlformats.org/officeDocument/2006/relationships" xmlns:p="http://schemas.openxmlformats.org/presentationml/2006/main">
   <p:cSld>
     <p:spTree>
@@ -18331,7 +19815,19 @@
             </a:r>
             <a:r>
               <a:rPr lang="ko-KR" altLang="en-US" dirty="0"/>
-              <a:t>영향이 생각보다 적어 보임</a:t>
+              <a:t>영향이 </a:t>
+            </a:r>
+            <a:r>
+              <a:rPr lang="ko-KR" altLang="en-US" dirty="0" smtClean="0"/>
+              <a:t>예상</a:t>
+            </a:r>
+            <a:r>
+              <a:rPr lang="ko-KR" altLang="en-US" dirty="0" smtClean="0"/>
+              <a:t>보다 </a:t>
+            </a:r>
+            <a:r>
+              <a:rPr lang="ko-KR" altLang="en-US" dirty="0"/>
+              <a:t>적어 보임</a:t>
             </a:r>
           </a:p>
         </p:txBody>
@@ -18358,10 +19854,17 @@
       </p:transition>
     </mc:Fallback>
   </mc:AlternateContent>
+  <p:timing>
+    <p:tnLst>
+      <p:par>
+        <p:cTn id="1" dur="indefinite" restart="never" nodeType="tmRoot"/>
+      </p:par>
+    </p:tnLst>
+  </p:timing>
 </p:sld>
 </file>
 
-<file path=ppt/slides/slide15.xml><?xml version="1.0" encoding="utf-8"?>
+<file path=ppt/slides/slide18.xml><?xml version="1.0" encoding="utf-8"?>
 <p:sld xmlns:a="http://schemas.openxmlformats.org/drawingml/2006/main" xmlns:r="http://schemas.openxmlformats.org/officeDocument/2006/relationships" xmlns:p="http://schemas.openxmlformats.org/presentationml/2006/main">
   <p:cSld>
     <p:spTree>
@@ -18425,10 +19928,17 @@
       </p:transition>
     </mc:Fallback>
   </mc:AlternateContent>
+  <p:timing>
+    <p:tnLst>
+      <p:par>
+        <p:cTn id="1" dur="indefinite" restart="never" nodeType="tmRoot"/>
+      </p:par>
+    </p:tnLst>
+  </p:timing>
 </p:sld>
 </file>
 
-<file path=ppt/slides/slide16.xml><?xml version="1.0" encoding="utf-8"?>
+<file path=ppt/slides/slide19.xml><?xml version="1.0" encoding="utf-8"?>
 <p:sld xmlns:a="http://schemas.openxmlformats.org/drawingml/2006/main" xmlns:r="http://schemas.openxmlformats.org/officeDocument/2006/relationships" xmlns:p="http://schemas.openxmlformats.org/presentationml/2006/main">
   <p:cSld>
     <p:spTree>
@@ -18639,464 +20149,6 @@
     <p:extLst>
       <p:ext uri="{BB962C8B-B14F-4D97-AF65-F5344CB8AC3E}">
         <p14:creationId xmlns:p14="http://schemas.microsoft.com/office/powerpoint/2010/main" val="1200217142"/>
-      </p:ext>
-    </p:extLst>
-  </p:cSld>
-  <p:clrMapOvr>
-    <a:masterClrMapping/>
-  </p:clrMapOvr>
-  <mc:AlternateContent xmlns:mc="http://schemas.openxmlformats.org/markup-compatibility/2006" xmlns:p14="http://schemas.microsoft.com/office/powerpoint/2010/main">
-    <mc:Choice Requires="p14">
-      <p:transition spd="med" p14:dur="700">
-        <p:fade/>
-      </p:transition>
-    </mc:Choice>
-    <mc:Fallback xmlns="">
-      <p:transition spd="med">
-        <p:fade/>
-      </p:transition>
-    </mc:Fallback>
-  </mc:AlternateContent>
-  <p:timing>
-    <p:tnLst>
-      <p:par>
-        <p:cTn id="1" dur="indefinite" restart="never" nodeType="tmRoot"/>
-      </p:par>
-    </p:tnLst>
-  </p:timing>
-</p:sld>
-</file>
-
-<file path=ppt/slides/slide17.xml><?xml version="1.0" encoding="utf-8"?>
-<p:sld xmlns:a="http://schemas.openxmlformats.org/drawingml/2006/main" xmlns:r="http://schemas.openxmlformats.org/officeDocument/2006/relationships" xmlns:p="http://schemas.openxmlformats.org/presentationml/2006/main">
-  <p:cSld>
-    <p:spTree>
-      <p:nvGrpSpPr>
-        <p:cNvPr id="1" name=""/>
-        <p:cNvGrpSpPr/>
-        <p:nvPr/>
-      </p:nvGrpSpPr>
-      <p:grpSpPr>
-        <a:xfrm>
-          <a:off x="0" y="0"/>
-          <a:ext cx="0" cy="0"/>
-          <a:chOff x="0" y="0"/>
-          <a:chExt cx="0" cy="0"/>
-        </a:xfrm>
-      </p:grpSpPr>
-      <p:sp>
-        <p:nvSpPr>
-          <p:cNvPr id="3" name="제목 2"/>
-          <p:cNvSpPr>
-            <a:spLocks noGrp="1"/>
-          </p:cNvSpPr>
-          <p:nvPr>
-            <p:ph type="title"/>
-          </p:nvPr>
-        </p:nvSpPr>
-        <p:spPr>
-          <a:xfrm>
-            <a:off x="1522876" y="609600"/>
-            <a:ext cx="9143538" cy="587152"/>
-          </a:xfrm>
-        </p:spPr>
-        <p:txBody>
-          <a:bodyPr rtlCol="0"/>
-          <a:lstStyle/>
-          <a:p>
-            <a:pPr rtl="0"/>
-            <a:r>
-              <a:rPr lang="ko-KR" altLang="en-US" dirty="0" smtClean="0"/>
-              <a:t>모델 평가</a:t>
-            </a:r>
-            <a:endParaRPr lang="ko-KR" altLang="en-US" dirty="0"/>
-          </a:p>
-        </p:txBody>
-      </p:sp>
-      <p:sp>
-        <p:nvSpPr>
-          <p:cNvPr id="2" name="내용 개체 틀 1"/>
-          <p:cNvSpPr>
-            <a:spLocks noGrp="1"/>
-          </p:cNvSpPr>
-          <p:nvPr>
-            <p:ph idx="1"/>
-          </p:nvPr>
-        </p:nvSpPr>
-        <p:spPr>
-          <a:xfrm>
-            <a:off x="6166420" y="1412776"/>
-            <a:ext cx="4680520" cy="4189689"/>
-          </a:xfrm>
-        </p:spPr>
-        <p:txBody>
-          <a:bodyPr rtlCol="0" anchor="ctr">
-            <a:normAutofit/>
-          </a:bodyPr>
-          <a:lstStyle/>
-          <a:p>
-            <a:pPr rtl="0"/>
-            <a:r>
-              <a:rPr lang="ko-KR" altLang="en-US" sz="2000" dirty="0" smtClean="0"/>
-              <a:t>랜덤 </a:t>
-            </a:r>
-            <a:r>
-              <a:rPr lang="ko-KR" altLang="en-US" sz="2000" dirty="0" err="1" smtClean="0"/>
-              <a:t>포레스트와</a:t>
-            </a:r>
-            <a:r>
-              <a:rPr lang="ko-KR" altLang="en-US" sz="2000" dirty="0" smtClean="0"/>
-              <a:t> </a:t>
-            </a:r>
-            <a:r>
-              <a:rPr lang="ko-KR" altLang="en-US" sz="2000" dirty="0" err="1" smtClean="0"/>
-              <a:t>그래디언트</a:t>
-            </a:r>
-            <a:r>
-              <a:rPr lang="ko-KR" altLang="en-US" sz="2000" dirty="0" smtClean="0"/>
-              <a:t> </a:t>
-            </a:r>
-            <a:r>
-              <a:rPr lang="ko-KR" altLang="en-US" sz="2000" dirty="0" err="1" smtClean="0"/>
-              <a:t>부스팅</a:t>
-            </a:r>
-            <a:r>
-              <a:rPr lang="ko-KR" altLang="en-US" sz="2000" dirty="0" smtClean="0"/>
-              <a:t> 앙상블 모델</a:t>
-            </a:r>
-            <a:endParaRPr lang="en-US" altLang="ko-KR" sz="2000" dirty="0" smtClean="0"/>
-          </a:p>
-          <a:p>
-            <a:pPr rtl="0"/>
-            <a:r>
-              <a:rPr lang="ko-KR" altLang="en-US" sz="2000" dirty="0" smtClean="0"/>
-              <a:t>약 </a:t>
-            </a:r>
-            <a:r>
-              <a:rPr lang="en-US" altLang="ko-KR" sz="2000" dirty="0" smtClean="0"/>
-              <a:t>83% </a:t>
-            </a:r>
-            <a:r>
-              <a:rPr lang="ko-KR" altLang="en-US" sz="2000" dirty="0" smtClean="0"/>
-              <a:t>정확도</a:t>
-            </a:r>
-            <a:endParaRPr lang="en-US" altLang="ko-KR" sz="2000" dirty="0" smtClean="0"/>
-          </a:p>
-          <a:p>
-            <a:pPr rtl="0"/>
-            <a:r>
-              <a:rPr lang="ko-KR" altLang="en-US" sz="2000" dirty="0" smtClean="0"/>
-              <a:t>혼동 행렬을 통해 생존과 사망을 정확하게 예측한 비율 파악</a:t>
-            </a:r>
-            <a:endParaRPr lang="en-US" altLang="ko-KR" sz="2000" dirty="0"/>
-          </a:p>
-          <a:p>
-            <a:pPr rtl="0"/>
-            <a:endParaRPr lang="en-US" altLang="ko-KR" sz="2000" dirty="0" smtClean="0"/>
-          </a:p>
-          <a:p>
-            <a:pPr rtl="0"/>
-            <a:endParaRPr lang="en-US" altLang="ko-KR" sz="2000" dirty="0" smtClean="0"/>
-          </a:p>
-          <a:p>
-            <a:pPr rtl="0"/>
-            <a:r>
-              <a:rPr lang="ko-KR" altLang="en-US" sz="2000" dirty="0" smtClean="0"/>
-              <a:t>이를 통해 모델이 새로운 데이터에 대해서도 잘 작동할 것으로 </a:t>
-            </a:r>
-            <a:r>
-              <a:rPr lang="ko-KR" altLang="en-US" sz="2000" dirty="0" err="1" smtClean="0"/>
-              <a:t>에상</a:t>
-            </a:r>
-            <a:endParaRPr lang="en-US" altLang="ko-KR" sz="2000" dirty="0" smtClean="0"/>
-          </a:p>
-        </p:txBody>
-      </p:sp>
-      <p:pic>
-        <p:nvPicPr>
-          <p:cNvPr id="4" name="그림 3"/>
-          <p:cNvPicPr>
-            <a:picLocks noChangeAspect="1"/>
-          </p:cNvPicPr>
-          <p:nvPr/>
-        </p:nvPicPr>
-        <p:blipFill>
-          <a:blip r:embed="rId3"/>
-          <a:stretch>
-            <a:fillRect/>
-          </a:stretch>
-        </p:blipFill>
-        <p:spPr>
-          <a:xfrm>
-            <a:off x="1522876" y="1170086"/>
-            <a:ext cx="3800723" cy="5136319"/>
-          </a:xfrm>
-          <a:prstGeom prst="rect">
-            <a:avLst/>
-          </a:prstGeom>
-        </p:spPr>
-      </p:pic>
-    </p:spTree>
-    <p:extLst>
-      <p:ext uri="{BB962C8B-B14F-4D97-AF65-F5344CB8AC3E}">
-        <p14:creationId xmlns:p14="http://schemas.microsoft.com/office/powerpoint/2010/main" val="897847061"/>
-      </p:ext>
-    </p:extLst>
-  </p:cSld>
-  <p:clrMapOvr>
-    <a:masterClrMapping/>
-  </p:clrMapOvr>
-  <mc:AlternateContent xmlns:mc="http://schemas.openxmlformats.org/markup-compatibility/2006" xmlns:p14="http://schemas.microsoft.com/office/powerpoint/2010/main">
-    <mc:Choice Requires="p14">
-      <p:transition spd="med" p14:dur="700">
-        <p:fade/>
-      </p:transition>
-    </mc:Choice>
-    <mc:Fallback xmlns="">
-      <p:transition spd="med">
-        <p:fade/>
-      </p:transition>
-    </mc:Fallback>
-  </mc:AlternateContent>
-</p:sld>
-</file>
-
-<file path=ppt/slides/slide18.xml><?xml version="1.0" encoding="utf-8"?>
-<p:sld xmlns:a="http://schemas.openxmlformats.org/drawingml/2006/main" xmlns:r="http://schemas.openxmlformats.org/officeDocument/2006/relationships" xmlns:p="http://schemas.openxmlformats.org/presentationml/2006/main">
-  <p:cSld>
-    <p:spTree>
-      <p:nvGrpSpPr>
-        <p:cNvPr id="1" name=""/>
-        <p:cNvGrpSpPr/>
-        <p:nvPr/>
-      </p:nvGrpSpPr>
-      <p:grpSpPr>
-        <a:xfrm>
-          <a:off x="0" y="0"/>
-          <a:ext cx="0" cy="0"/>
-          <a:chOff x="0" y="0"/>
-          <a:chExt cx="0" cy="0"/>
-        </a:xfrm>
-      </p:grpSpPr>
-      <p:graphicFrame>
-        <p:nvGraphicFramePr>
-          <p:cNvPr id="14" name="내용 개체 틀 13"/>
-          <p:cNvGraphicFramePr>
-            <a:graphicFrameLocks noGrp="1"/>
-          </p:cNvGraphicFramePr>
-          <p:nvPr>
-            <p:ph idx="1"/>
-            <p:extLst>
-              <p:ext uri="{D42A27DB-BD31-4B8C-83A1-F6EECF244321}">
-                <p14:modId xmlns:p14="http://schemas.microsoft.com/office/powerpoint/2010/main" val="2834879985"/>
-              </p:ext>
-            </p:extLst>
-          </p:nvPr>
-        </p:nvGraphicFramePr>
-        <p:xfrm>
-          <a:off x="1522413" y="1905000"/>
-          <a:ext cx="9144000" cy="2964160"/>
-        </p:xfrm>
-        <a:graphic>
-          <a:graphicData uri="http://schemas.openxmlformats.org/drawingml/2006/diagram">
-            <dgm:relIds xmlns:dgm="http://schemas.openxmlformats.org/drawingml/2006/diagram" xmlns:r="http://schemas.openxmlformats.org/officeDocument/2006/relationships" r:dm="rId2" r:lo="rId3" r:qs="rId4" r:cs="rId5"/>
-          </a:graphicData>
-        </a:graphic>
-      </p:graphicFrame>
-    </p:spTree>
-    <p:extLst>
-      <p:ext uri="{BB962C8B-B14F-4D97-AF65-F5344CB8AC3E}">
-        <p14:creationId xmlns:p14="http://schemas.microsoft.com/office/powerpoint/2010/main" val="2177439705"/>
-      </p:ext>
-    </p:extLst>
-  </p:cSld>
-  <p:clrMapOvr>
-    <a:masterClrMapping/>
-  </p:clrMapOvr>
-  <mc:AlternateContent xmlns:mc="http://schemas.openxmlformats.org/markup-compatibility/2006" xmlns:p14="http://schemas.microsoft.com/office/powerpoint/2010/main">
-    <mc:Choice Requires="p14">
-      <p:transition spd="med" p14:dur="700">
-        <p:fade/>
-      </p:transition>
-    </mc:Choice>
-    <mc:Fallback xmlns="">
-      <p:transition spd="med">
-        <p:fade/>
-      </p:transition>
-    </mc:Fallback>
-  </mc:AlternateContent>
-</p:sld>
-</file>
-
-<file path=ppt/slides/slide19.xml><?xml version="1.0" encoding="utf-8"?>
-<p:sld xmlns:a="http://schemas.openxmlformats.org/drawingml/2006/main" xmlns:r="http://schemas.openxmlformats.org/officeDocument/2006/relationships" xmlns:p="http://schemas.openxmlformats.org/presentationml/2006/main">
-  <p:cSld>
-    <p:spTree>
-      <p:nvGrpSpPr>
-        <p:cNvPr id="1" name=""/>
-        <p:cNvGrpSpPr/>
-        <p:nvPr/>
-      </p:nvGrpSpPr>
-      <p:grpSpPr>
-        <a:xfrm>
-          <a:off x="0" y="0"/>
-          <a:ext cx="0" cy="0"/>
-          <a:chOff x="0" y="0"/>
-          <a:chExt cx="0" cy="0"/>
-        </a:xfrm>
-      </p:grpSpPr>
-      <p:sp>
-        <p:nvSpPr>
-          <p:cNvPr id="2" name="제목 1"/>
-          <p:cNvSpPr>
-            <a:spLocks noGrp="1"/>
-          </p:cNvSpPr>
-          <p:nvPr>
-            <p:ph type="title"/>
-          </p:nvPr>
-        </p:nvSpPr>
-        <p:spPr>
-          <a:xfrm>
-            <a:off x="1522876" y="609600"/>
-            <a:ext cx="9143538" cy="587152"/>
-          </a:xfrm>
-        </p:spPr>
-        <p:txBody>
-          <a:bodyPr>
-            <a:normAutofit/>
-          </a:bodyPr>
-          <a:lstStyle/>
-          <a:p>
-            <a:r>
-              <a:rPr lang="ko-KR" altLang="en-US" dirty="0" smtClean="0"/>
-              <a:t>학습 모델</a:t>
-            </a:r>
-            <a:endParaRPr lang="ko-KR" altLang="en-US" dirty="0"/>
-          </a:p>
-        </p:txBody>
-      </p:sp>
-      <p:sp>
-        <p:nvSpPr>
-          <p:cNvPr id="3" name="내용 개체 틀 2"/>
-          <p:cNvSpPr>
-            <a:spLocks noGrp="1"/>
-          </p:cNvSpPr>
-          <p:nvPr>
-            <p:ph idx="1"/>
-          </p:nvPr>
-        </p:nvSpPr>
-        <p:spPr>
-          <a:xfrm>
-            <a:off x="5600993" y="1196752"/>
-            <a:ext cx="6110043" cy="4896544"/>
-          </a:xfrm>
-        </p:spPr>
-        <p:txBody>
-          <a:bodyPr anchor="ctr">
-            <a:normAutofit/>
-          </a:bodyPr>
-          <a:lstStyle/>
-          <a:p>
-            <a:r>
-              <a:rPr lang="en-US" altLang="ko-KR" sz="2000" dirty="0" err="1"/>
-              <a:t>l</a:t>
-            </a:r>
-            <a:r>
-              <a:rPr lang="en-US" altLang="ko-KR" sz="2000" dirty="0" err="1" smtClean="0"/>
-              <a:t>earning_titanic</a:t>
-            </a:r>
-            <a:r>
-              <a:rPr lang="en-US" altLang="ko-KR" sz="2000" dirty="0" smtClean="0"/>
-              <a:t> </a:t>
-            </a:r>
-            <a:r>
-              <a:rPr lang="ko-KR" altLang="en-US" sz="2000" dirty="0" smtClean="0"/>
-              <a:t>모델 학습</a:t>
-            </a:r>
-            <a:endParaRPr lang="en-US" altLang="ko-KR" sz="2000" dirty="0" smtClean="0"/>
-          </a:p>
-          <a:p>
-            <a:r>
-              <a:rPr lang="ko-KR" altLang="en-US" sz="2000" dirty="0" smtClean="0"/>
-              <a:t>랜덤 </a:t>
-            </a:r>
-            <a:r>
-              <a:rPr lang="ko-KR" altLang="en-US" sz="2000" dirty="0" err="1"/>
-              <a:t>포레스트와</a:t>
-            </a:r>
-            <a:r>
-              <a:rPr lang="ko-KR" altLang="en-US" sz="2000" dirty="0"/>
-              <a:t> </a:t>
-            </a:r>
-            <a:r>
-              <a:rPr lang="ko-KR" altLang="en-US" sz="2000" dirty="0" err="1"/>
-              <a:t>그래디언트</a:t>
-            </a:r>
-            <a:r>
-              <a:rPr lang="ko-KR" altLang="en-US" sz="2000" dirty="0"/>
-              <a:t> </a:t>
-            </a:r>
-            <a:r>
-              <a:rPr lang="ko-KR" altLang="en-US" sz="2000" dirty="0" err="1"/>
-              <a:t>부스팅</a:t>
-            </a:r>
-            <a:r>
-              <a:rPr lang="ko-KR" altLang="en-US" sz="2000" dirty="0"/>
-              <a:t> 앙상블 모델</a:t>
-            </a:r>
-            <a:endParaRPr lang="en-US" altLang="ko-KR" sz="2000" dirty="0"/>
-          </a:p>
-          <a:p>
-            <a:endParaRPr lang="en-US" altLang="ko-KR" sz="2000" dirty="0"/>
-          </a:p>
-          <a:p>
-            <a:endParaRPr lang="en-US" altLang="ko-KR" sz="2000" dirty="0" smtClean="0"/>
-          </a:p>
-          <a:p>
-            <a:r>
-              <a:rPr lang="en-US" altLang="ko-KR" sz="2000" dirty="0" err="1" smtClean="0"/>
-              <a:t>predict_titanic</a:t>
-            </a:r>
-            <a:r>
-              <a:rPr lang="en-US" altLang="ko-KR" sz="2000" dirty="0" smtClean="0"/>
-              <a:t> </a:t>
-            </a:r>
-            <a:r>
-              <a:rPr lang="ko-KR" altLang="en-US" sz="2000" dirty="0" smtClean="0"/>
-              <a:t>새로운 데이터의 생존율 예측</a:t>
-            </a:r>
-            <a:endParaRPr lang="ko-KR" altLang="en-US" sz="2000" dirty="0"/>
-          </a:p>
-        </p:txBody>
-      </p:sp>
-      <p:pic>
-        <p:nvPicPr>
-          <p:cNvPr id="5" name="그림 4"/>
-          <p:cNvPicPr>
-            <a:picLocks noChangeAspect="1"/>
-          </p:cNvPicPr>
-          <p:nvPr/>
-        </p:nvPicPr>
-        <p:blipFill>
-          <a:blip r:embed="rId2"/>
-          <a:stretch>
-            <a:fillRect/>
-          </a:stretch>
-        </p:blipFill>
-        <p:spPr>
-          <a:xfrm>
-            <a:off x="377329" y="1340768"/>
-            <a:ext cx="5223664" cy="4248472"/>
-          </a:xfrm>
-          <a:prstGeom prst="rect">
-            <a:avLst/>
-          </a:prstGeom>
-        </p:spPr>
-      </p:pic>
-    </p:spTree>
-    <p:extLst>
-      <p:ext uri="{BB962C8B-B14F-4D97-AF65-F5344CB8AC3E}">
-        <p14:creationId xmlns:p14="http://schemas.microsoft.com/office/powerpoint/2010/main" val="2834621998"/>
       </p:ext>
     </p:extLst>
   </p:cSld>
@@ -19540,6 +20592,464 @@
       </p:grpSpPr>
       <p:sp>
         <p:nvSpPr>
+          <p:cNvPr id="3" name="제목 2"/>
+          <p:cNvSpPr>
+            <a:spLocks noGrp="1"/>
+          </p:cNvSpPr>
+          <p:nvPr>
+            <p:ph type="title"/>
+          </p:nvPr>
+        </p:nvSpPr>
+        <p:spPr>
+          <a:xfrm>
+            <a:off x="1522876" y="609600"/>
+            <a:ext cx="9143538" cy="587152"/>
+          </a:xfrm>
+        </p:spPr>
+        <p:txBody>
+          <a:bodyPr rtlCol="0"/>
+          <a:lstStyle/>
+          <a:p>
+            <a:pPr rtl="0"/>
+            <a:r>
+              <a:rPr lang="ko-KR" altLang="en-US" dirty="0" smtClean="0"/>
+              <a:t>모델 평가</a:t>
+            </a:r>
+            <a:endParaRPr lang="ko-KR" altLang="en-US" dirty="0"/>
+          </a:p>
+        </p:txBody>
+      </p:sp>
+      <p:sp>
+        <p:nvSpPr>
+          <p:cNvPr id="2" name="내용 개체 틀 1"/>
+          <p:cNvSpPr>
+            <a:spLocks noGrp="1"/>
+          </p:cNvSpPr>
+          <p:nvPr>
+            <p:ph idx="1"/>
+          </p:nvPr>
+        </p:nvSpPr>
+        <p:spPr>
+          <a:xfrm>
+            <a:off x="6166420" y="1412776"/>
+            <a:ext cx="4680520" cy="4189689"/>
+          </a:xfrm>
+        </p:spPr>
+        <p:txBody>
+          <a:bodyPr rtlCol="0" anchor="ctr">
+            <a:normAutofit/>
+          </a:bodyPr>
+          <a:lstStyle/>
+          <a:p>
+            <a:pPr rtl="0"/>
+            <a:r>
+              <a:rPr lang="ko-KR" altLang="en-US" sz="2000" dirty="0" smtClean="0"/>
+              <a:t>랜덤 </a:t>
+            </a:r>
+            <a:r>
+              <a:rPr lang="ko-KR" altLang="en-US" sz="2000" dirty="0" err="1" smtClean="0"/>
+              <a:t>포레스트와</a:t>
+            </a:r>
+            <a:r>
+              <a:rPr lang="ko-KR" altLang="en-US" sz="2000" dirty="0" smtClean="0"/>
+              <a:t> </a:t>
+            </a:r>
+            <a:r>
+              <a:rPr lang="ko-KR" altLang="en-US" sz="2000" dirty="0" err="1" smtClean="0"/>
+              <a:t>그래디언트</a:t>
+            </a:r>
+            <a:r>
+              <a:rPr lang="ko-KR" altLang="en-US" sz="2000" dirty="0" smtClean="0"/>
+              <a:t> </a:t>
+            </a:r>
+            <a:r>
+              <a:rPr lang="ko-KR" altLang="en-US" sz="2000" dirty="0" err="1" smtClean="0"/>
+              <a:t>부스팅</a:t>
+            </a:r>
+            <a:r>
+              <a:rPr lang="ko-KR" altLang="en-US" sz="2000" dirty="0" smtClean="0"/>
+              <a:t> 앙상블 모델</a:t>
+            </a:r>
+            <a:endParaRPr lang="en-US" altLang="ko-KR" sz="2000" dirty="0" smtClean="0"/>
+          </a:p>
+          <a:p>
+            <a:pPr rtl="0"/>
+            <a:r>
+              <a:rPr lang="ko-KR" altLang="en-US" sz="2000" dirty="0" smtClean="0"/>
+              <a:t>약 </a:t>
+            </a:r>
+            <a:r>
+              <a:rPr lang="en-US" altLang="ko-KR" sz="2000" dirty="0" smtClean="0"/>
+              <a:t>83% </a:t>
+            </a:r>
+            <a:r>
+              <a:rPr lang="ko-KR" altLang="en-US" sz="2000" dirty="0" smtClean="0"/>
+              <a:t>정확도</a:t>
+            </a:r>
+            <a:endParaRPr lang="en-US" altLang="ko-KR" sz="2000" dirty="0" smtClean="0"/>
+          </a:p>
+          <a:p>
+            <a:pPr rtl="0"/>
+            <a:r>
+              <a:rPr lang="ko-KR" altLang="en-US" sz="2000" dirty="0" smtClean="0"/>
+              <a:t>혼동 행렬을 통해 생존과 사망을 정확하게 예측한 비율 파악</a:t>
+            </a:r>
+            <a:endParaRPr lang="en-US" altLang="ko-KR" sz="2000" dirty="0"/>
+          </a:p>
+          <a:p>
+            <a:pPr rtl="0"/>
+            <a:endParaRPr lang="en-US" altLang="ko-KR" sz="2000" dirty="0" smtClean="0"/>
+          </a:p>
+          <a:p>
+            <a:pPr rtl="0"/>
+            <a:endParaRPr lang="en-US" altLang="ko-KR" sz="2000" dirty="0" smtClean="0"/>
+          </a:p>
+          <a:p>
+            <a:pPr rtl="0"/>
+            <a:r>
+              <a:rPr lang="ko-KR" altLang="en-US" sz="2000" dirty="0" smtClean="0"/>
+              <a:t>이를 통해 모델이 새로운 데이터에 대해서도 잘 작동할 것으로 </a:t>
+            </a:r>
+            <a:r>
+              <a:rPr lang="ko-KR" altLang="en-US" sz="2000" dirty="0" err="1" smtClean="0"/>
+              <a:t>에상</a:t>
+            </a:r>
+            <a:endParaRPr lang="en-US" altLang="ko-KR" sz="2000" dirty="0" smtClean="0"/>
+          </a:p>
+        </p:txBody>
+      </p:sp>
+      <p:pic>
+        <p:nvPicPr>
+          <p:cNvPr id="4" name="그림 3"/>
+          <p:cNvPicPr>
+            <a:picLocks noChangeAspect="1"/>
+          </p:cNvPicPr>
+          <p:nvPr/>
+        </p:nvPicPr>
+        <p:blipFill>
+          <a:blip r:embed="rId3"/>
+          <a:stretch>
+            <a:fillRect/>
+          </a:stretch>
+        </p:blipFill>
+        <p:spPr>
+          <a:xfrm>
+            <a:off x="1522876" y="1170086"/>
+            <a:ext cx="3800723" cy="5136319"/>
+          </a:xfrm>
+          <a:prstGeom prst="rect">
+            <a:avLst/>
+          </a:prstGeom>
+        </p:spPr>
+      </p:pic>
+    </p:spTree>
+    <p:extLst>
+      <p:ext uri="{BB962C8B-B14F-4D97-AF65-F5344CB8AC3E}">
+        <p14:creationId xmlns:p14="http://schemas.microsoft.com/office/powerpoint/2010/main" val="897847061"/>
+      </p:ext>
+    </p:extLst>
+  </p:cSld>
+  <p:clrMapOvr>
+    <a:masterClrMapping/>
+  </p:clrMapOvr>
+  <mc:AlternateContent xmlns:mc="http://schemas.openxmlformats.org/markup-compatibility/2006" xmlns:p14="http://schemas.microsoft.com/office/powerpoint/2010/main">
+    <mc:Choice Requires="p14">
+      <p:transition spd="med" p14:dur="700">
+        <p:fade/>
+      </p:transition>
+    </mc:Choice>
+    <mc:Fallback xmlns="">
+      <p:transition spd="med">
+        <p:fade/>
+      </p:transition>
+    </mc:Fallback>
+  </mc:AlternateContent>
+</p:sld>
+</file>
+
+<file path=ppt/slides/slide21.xml><?xml version="1.0" encoding="utf-8"?>
+<p:sld xmlns:a="http://schemas.openxmlformats.org/drawingml/2006/main" xmlns:r="http://schemas.openxmlformats.org/officeDocument/2006/relationships" xmlns:p="http://schemas.openxmlformats.org/presentationml/2006/main">
+  <p:cSld>
+    <p:spTree>
+      <p:nvGrpSpPr>
+        <p:cNvPr id="1" name=""/>
+        <p:cNvGrpSpPr/>
+        <p:nvPr/>
+      </p:nvGrpSpPr>
+      <p:grpSpPr>
+        <a:xfrm>
+          <a:off x="0" y="0"/>
+          <a:ext cx="0" cy="0"/>
+          <a:chOff x="0" y="0"/>
+          <a:chExt cx="0" cy="0"/>
+        </a:xfrm>
+      </p:grpSpPr>
+      <p:graphicFrame>
+        <p:nvGraphicFramePr>
+          <p:cNvPr id="14" name="내용 개체 틀 13"/>
+          <p:cNvGraphicFramePr>
+            <a:graphicFrameLocks noGrp="1"/>
+          </p:cNvGraphicFramePr>
+          <p:nvPr>
+            <p:ph idx="1"/>
+            <p:extLst>
+              <p:ext uri="{D42A27DB-BD31-4B8C-83A1-F6EECF244321}">
+                <p14:modId xmlns:p14="http://schemas.microsoft.com/office/powerpoint/2010/main" val="2834879985"/>
+              </p:ext>
+            </p:extLst>
+          </p:nvPr>
+        </p:nvGraphicFramePr>
+        <p:xfrm>
+          <a:off x="1522413" y="1905000"/>
+          <a:ext cx="9144000" cy="2964160"/>
+        </p:xfrm>
+        <a:graphic>
+          <a:graphicData uri="http://schemas.openxmlformats.org/drawingml/2006/diagram">
+            <dgm:relIds xmlns:dgm="http://schemas.openxmlformats.org/drawingml/2006/diagram" xmlns:r="http://schemas.openxmlformats.org/officeDocument/2006/relationships" r:dm="rId2" r:lo="rId3" r:qs="rId4" r:cs="rId5"/>
+          </a:graphicData>
+        </a:graphic>
+      </p:graphicFrame>
+    </p:spTree>
+    <p:extLst>
+      <p:ext uri="{BB962C8B-B14F-4D97-AF65-F5344CB8AC3E}">
+        <p14:creationId xmlns:p14="http://schemas.microsoft.com/office/powerpoint/2010/main" val="2177439705"/>
+      </p:ext>
+    </p:extLst>
+  </p:cSld>
+  <p:clrMapOvr>
+    <a:masterClrMapping/>
+  </p:clrMapOvr>
+  <mc:AlternateContent xmlns:mc="http://schemas.openxmlformats.org/markup-compatibility/2006" xmlns:p14="http://schemas.microsoft.com/office/powerpoint/2010/main">
+    <mc:Choice Requires="p14">
+      <p:transition spd="med" p14:dur="700">
+        <p:fade/>
+      </p:transition>
+    </mc:Choice>
+    <mc:Fallback xmlns="">
+      <p:transition spd="med">
+        <p:fade/>
+      </p:transition>
+    </mc:Fallback>
+  </mc:AlternateContent>
+</p:sld>
+</file>
+
+<file path=ppt/slides/slide22.xml><?xml version="1.0" encoding="utf-8"?>
+<p:sld xmlns:a="http://schemas.openxmlformats.org/drawingml/2006/main" xmlns:r="http://schemas.openxmlformats.org/officeDocument/2006/relationships" xmlns:p="http://schemas.openxmlformats.org/presentationml/2006/main">
+  <p:cSld>
+    <p:spTree>
+      <p:nvGrpSpPr>
+        <p:cNvPr id="1" name=""/>
+        <p:cNvGrpSpPr/>
+        <p:nvPr/>
+      </p:nvGrpSpPr>
+      <p:grpSpPr>
+        <a:xfrm>
+          <a:off x="0" y="0"/>
+          <a:ext cx="0" cy="0"/>
+          <a:chOff x="0" y="0"/>
+          <a:chExt cx="0" cy="0"/>
+        </a:xfrm>
+      </p:grpSpPr>
+      <p:sp>
+        <p:nvSpPr>
+          <p:cNvPr id="2" name="제목 1"/>
+          <p:cNvSpPr>
+            <a:spLocks noGrp="1"/>
+          </p:cNvSpPr>
+          <p:nvPr>
+            <p:ph type="title"/>
+          </p:nvPr>
+        </p:nvSpPr>
+        <p:spPr>
+          <a:xfrm>
+            <a:off x="1522876" y="609600"/>
+            <a:ext cx="9143538" cy="587152"/>
+          </a:xfrm>
+        </p:spPr>
+        <p:txBody>
+          <a:bodyPr>
+            <a:normAutofit/>
+          </a:bodyPr>
+          <a:lstStyle/>
+          <a:p>
+            <a:r>
+              <a:rPr lang="ko-KR" altLang="en-US" dirty="0" smtClean="0"/>
+              <a:t>학습 모델</a:t>
+            </a:r>
+            <a:endParaRPr lang="ko-KR" altLang="en-US" dirty="0"/>
+          </a:p>
+        </p:txBody>
+      </p:sp>
+      <p:sp>
+        <p:nvSpPr>
+          <p:cNvPr id="3" name="내용 개체 틀 2"/>
+          <p:cNvSpPr>
+            <a:spLocks noGrp="1"/>
+          </p:cNvSpPr>
+          <p:nvPr>
+            <p:ph idx="1"/>
+          </p:nvPr>
+        </p:nvSpPr>
+        <p:spPr>
+          <a:xfrm>
+            <a:off x="5600993" y="1196752"/>
+            <a:ext cx="6110043" cy="4896544"/>
+          </a:xfrm>
+        </p:spPr>
+        <p:txBody>
+          <a:bodyPr anchor="ctr">
+            <a:normAutofit/>
+          </a:bodyPr>
+          <a:lstStyle/>
+          <a:p>
+            <a:r>
+              <a:rPr lang="en-US" altLang="ko-KR" sz="2000" dirty="0" err="1"/>
+              <a:t>l</a:t>
+            </a:r>
+            <a:r>
+              <a:rPr lang="en-US" altLang="ko-KR" sz="2000" dirty="0" err="1" smtClean="0"/>
+              <a:t>earning_titanic</a:t>
+            </a:r>
+            <a:r>
+              <a:rPr lang="en-US" altLang="ko-KR" sz="2000" dirty="0" smtClean="0"/>
+              <a:t> </a:t>
+            </a:r>
+            <a:r>
+              <a:rPr lang="ko-KR" altLang="en-US" sz="2000" dirty="0" smtClean="0"/>
+              <a:t>모델 학습</a:t>
+            </a:r>
+            <a:endParaRPr lang="en-US" altLang="ko-KR" sz="2000" dirty="0" smtClean="0"/>
+          </a:p>
+          <a:p>
+            <a:r>
+              <a:rPr lang="ko-KR" altLang="en-US" sz="2000" dirty="0" smtClean="0"/>
+              <a:t>랜덤 </a:t>
+            </a:r>
+            <a:r>
+              <a:rPr lang="ko-KR" altLang="en-US" sz="2000" dirty="0" err="1"/>
+              <a:t>포레스트와</a:t>
+            </a:r>
+            <a:r>
+              <a:rPr lang="ko-KR" altLang="en-US" sz="2000" dirty="0"/>
+              <a:t> </a:t>
+            </a:r>
+            <a:r>
+              <a:rPr lang="ko-KR" altLang="en-US" sz="2000" dirty="0" err="1"/>
+              <a:t>그래디언트</a:t>
+            </a:r>
+            <a:r>
+              <a:rPr lang="ko-KR" altLang="en-US" sz="2000" dirty="0"/>
+              <a:t> </a:t>
+            </a:r>
+            <a:r>
+              <a:rPr lang="ko-KR" altLang="en-US" sz="2000" dirty="0" err="1"/>
+              <a:t>부스팅</a:t>
+            </a:r>
+            <a:r>
+              <a:rPr lang="ko-KR" altLang="en-US" sz="2000" dirty="0"/>
+              <a:t> 앙상블 모델</a:t>
+            </a:r>
+            <a:endParaRPr lang="en-US" altLang="ko-KR" sz="2000" dirty="0"/>
+          </a:p>
+          <a:p>
+            <a:endParaRPr lang="en-US" altLang="ko-KR" sz="2000" dirty="0"/>
+          </a:p>
+          <a:p>
+            <a:endParaRPr lang="en-US" altLang="ko-KR" sz="2000" dirty="0" smtClean="0"/>
+          </a:p>
+          <a:p>
+            <a:r>
+              <a:rPr lang="en-US" altLang="ko-KR" sz="2000" dirty="0" err="1" smtClean="0"/>
+              <a:t>predict_titanic</a:t>
+            </a:r>
+            <a:r>
+              <a:rPr lang="en-US" altLang="ko-KR" sz="2000" dirty="0" smtClean="0"/>
+              <a:t> </a:t>
+            </a:r>
+            <a:r>
+              <a:rPr lang="ko-KR" altLang="en-US" sz="2000" dirty="0" smtClean="0"/>
+              <a:t>새로운 데이터의 생존율 예측</a:t>
+            </a:r>
+            <a:endParaRPr lang="ko-KR" altLang="en-US" sz="2000" dirty="0"/>
+          </a:p>
+        </p:txBody>
+      </p:sp>
+      <p:pic>
+        <p:nvPicPr>
+          <p:cNvPr id="5" name="그림 4"/>
+          <p:cNvPicPr>
+            <a:picLocks noChangeAspect="1"/>
+          </p:cNvPicPr>
+          <p:nvPr/>
+        </p:nvPicPr>
+        <p:blipFill>
+          <a:blip r:embed="rId2"/>
+          <a:stretch>
+            <a:fillRect/>
+          </a:stretch>
+        </p:blipFill>
+        <p:spPr>
+          <a:xfrm>
+            <a:off x="377329" y="1340768"/>
+            <a:ext cx="5223664" cy="4248472"/>
+          </a:xfrm>
+          <a:prstGeom prst="rect">
+            <a:avLst/>
+          </a:prstGeom>
+        </p:spPr>
+      </p:pic>
+    </p:spTree>
+    <p:extLst>
+      <p:ext uri="{BB962C8B-B14F-4D97-AF65-F5344CB8AC3E}">
+        <p14:creationId xmlns:p14="http://schemas.microsoft.com/office/powerpoint/2010/main" val="2834621998"/>
+      </p:ext>
+    </p:extLst>
+  </p:cSld>
+  <p:clrMapOvr>
+    <a:masterClrMapping/>
+  </p:clrMapOvr>
+  <mc:AlternateContent xmlns:mc="http://schemas.openxmlformats.org/markup-compatibility/2006" xmlns:p14="http://schemas.microsoft.com/office/powerpoint/2010/main">
+    <mc:Choice Requires="p14">
+      <p:transition spd="med" p14:dur="700">
+        <p:fade/>
+      </p:transition>
+    </mc:Choice>
+    <mc:Fallback xmlns="">
+      <p:transition spd="med">
+        <p:fade/>
+      </p:transition>
+    </mc:Fallback>
+  </mc:AlternateContent>
+  <p:timing>
+    <p:tnLst>
+      <p:par>
+        <p:cTn id="1" dur="indefinite" restart="never" nodeType="tmRoot"/>
+      </p:par>
+    </p:tnLst>
+  </p:timing>
+</p:sld>
+</file>
+
+<file path=ppt/slides/slide23.xml><?xml version="1.0" encoding="utf-8"?>
+<p:sld xmlns:a="http://schemas.openxmlformats.org/drawingml/2006/main" xmlns:r="http://schemas.openxmlformats.org/officeDocument/2006/relationships" xmlns:p="http://schemas.openxmlformats.org/presentationml/2006/main">
+  <p:cSld>
+    <p:spTree>
+      <p:nvGrpSpPr>
+        <p:cNvPr id="1" name=""/>
+        <p:cNvGrpSpPr/>
+        <p:nvPr/>
+      </p:nvGrpSpPr>
+      <p:grpSpPr>
+        <a:xfrm>
+          <a:off x="0" y="0"/>
+          <a:ext cx="0" cy="0"/>
+          <a:chOff x="0" y="0"/>
+          <a:chExt cx="0" cy="0"/>
+        </a:xfrm>
+      </p:grpSpPr>
+      <p:sp>
+        <p:nvSpPr>
           <p:cNvPr id="2" name="제목 1"/>
           <p:cNvSpPr>
             <a:spLocks noGrp="1"/>
@@ -19650,7 +21160,7 @@
 </p:sld>
 </file>
 
-<file path=ppt/slides/slide21.xml><?xml version="1.0" encoding="utf-8"?>
+<file path=ppt/slides/slide24.xml><?xml version="1.0" encoding="utf-8"?>
 <p:sld xmlns:a="http://schemas.openxmlformats.org/drawingml/2006/main" xmlns:r="http://schemas.openxmlformats.org/officeDocument/2006/relationships" xmlns:p="http://schemas.openxmlformats.org/presentationml/2006/main">
   <p:cSld>
     <p:spTree>
@@ -20529,6 +22039,13 @@
       </p:transition>
     </mc:Fallback>
   </mc:AlternateContent>
+  <p:timing>
+    <p:tnLst>
+      <p:par>
+        <p:cTn id="1" dur="indefinite" restart="never" nodeType="tmRoot"/>
+      </p:par>
+    </p:tnLst>
+  </p:timing>
 </p:sld>
 </file>
 
